--- a/QLSC600_M6_Presentation.pptx
+++ b/QLSC600_M6_Presentation.pptx
@@ -8,7 +8,12 @@
     <p:sldId id="256" r:id="rId2"/>
     <p:sldId id="257" r:id="rId3"/>
     <p:sldId id="258" r:id="rId4"/>
-    <p:sldId id="259" r:id="rId5"/>
+    <p:sldId id="261" r:id="rId5"/>
+    <p:sldId id="260" r:id="rId6"/>
+    <p:sldId id="259" r:id="rId7"/>
+    <p:sldId id="262" r:id="rId8"/>
+    <p:sldId id="263" r:id="rId9"/>
+    <p:sldId id="264" r:id="rId10"/>
   </p:sldIdLst>
   <p:sldSz cx="12192000" cy="6858000"/>
   <p:notesSz cx="6858000" cy="9144000"/>
@@ -115,17 +120,25 @@
 </p:presentation>
 </file>
 
+<file path=ppt/revisionInfo.xml><?xml version="1.0" encoding="utf-8"?>
+<p1510:revInfo xmlns:a="http://schemas.openxmlformats.org/drawingml/2006/main" xmlns:r="http://schemas.openxmlformats.org/officeDocument/2006/relationships" xmlns:p1510="http://schemas.microsoft.com/office/powerpoint/2015/10/main">
+  <p1510:revLst>
+    <p1510:client id="{25E66032-0007-4E42-872B-EB3DBF1A85B3}" v="24" dt="2022-04-06T17:26:19.486"/>
+  </p1510:revLst>
+</p1510:revInfo>
+</file>
+
 <file path=ppt/changesInfos/changesInfo1.xml><?xml version="1.0" encoding="utf-8"?>
 <pc:chgInfo xmlns:a="http://schemas.openxmlformats.org/drawingml/2006/main" xmlns:r="http://schemas.openxmlformats.org/officeDocument/2006/relationships" xmlns:ac="http://schemas.microsoft.com/office/drawing/2013/main/command" xmlns:pc="http://schemas.microsoft.com/office/powerpoint/2013/main/command">
   <pc:docChgLst>
     <pc:chgData name="Adrien Osakwe" userId="7a3e290c-eb83-484b-8e3d-d46ef2333477" providerId="ADAL" clId="{25E66032-0007-4E42-872B-EB3DBF1A85B3}"/>
-    <pc:docChg chg="addSld modSld">
-      <pc:chgData name="Adrien Osakwe" userId="7a3e290c-eb83-484b-8e3d-d46ef2333477" providerId="ADAL" clId="{25E66032-0007-4E42-872B-EB3DBF1A85B3}" dt="2022-04-06T13:44:38.997" v="34" actId="20577"/>
+    <pc:docChg chg="undo custSel addSld delSld modSld sldOrd">
+      <pc:chgData name="Adrien Osakwe" userId="7a3e290c-eb83-484b-8e3d-d46ef2333477" providerId="ADAL" clId="{25E66032-0007-4E42-872B-EB3DBF1A85B3}" dt="2022-04-06T17:27:09.806" v="1117" actId="1076"/>
       <pc:docMkLst>
         <pc:docMk/>
       </pc:docMkLst>
       <pc:sldChg chg="modSp new mod">
-        <pc:chgData name="Adrien Osakwe" userId="7a3e290c-eb83-484b-8e3d-d46ef2333477" providerId="ADAL" clId="{25E66032-0007-4E42-872B-EB3DBF1A85B3}" dt="2022-04-06T13:44:22.294" v="7" actId="20577"/>
+        <pc:chgData name="Adrien Osakwe" userId="7a3e290c-eb83-484b-8e3d-d46ef2333477" providerId="ADAL" clId="{25E66032-0007-4E42-872B-EB3DBF1A85B3}" dt="2022-04-06T17:02:11.339" v="272" actId="20577"/>
         <pc:sldMkLst>
           <pc:docMk/>
           <pc:sldMk cId="3607452464" sldId="257"/>
@@ -138,9 +151,17 @@
             <ac:spMk id="2" creationId="{292626B3-E252-42F9-A9BA-446A7AF76AB0}"/>
           </ac:spMkLst>
         </pc:spChg>
+        <pc:spChg chg="mod">
+          <ac:chgData name="Adrien Osakwe" userId="7a3e290c-eb83-484b-8e3d-d46ef2333477" providerId="ADAL" clId="{25E66032-0007-4E42-872B-EB3DBF1A85B3}" dt="2022-04-06T17:02:11.339" v="272" actId="20577"/>
+          <ac:spMkLst>
+            <pc:docMk/>
+            <pc:sldMk cId="3607452464" sldId="257"/>
+            <ac:spMk id="3" creationId="{B60B9E87-D1C8-480C-ACCC-0C594B591E29}"/>
+          </ac:spMkLst>
+        </pc:spChg>
       </pc:sldChg>
       <pc:sldChg chg="modSp new mod">
-        <pc:chgData name="Adrien Osakwe" userId="7a3e290c-eb83-484b-8e3d-d46ef2333477" providerId="ADAL" clId="{25E66032-0007-4E42-872B-EB3DBF1A85B3}" dt="2022-04-06T13:44:33.728" v="26" actId="20577"/>
+        <pc:chgData name="Adrien Osakwe" userId="7a3e290c-eb83-484b-8e3d-d46ef2333477" providerId="ADAL" clId="{25E66032-0007-4E42-872B-EB3DBF1A85B3}" dt="2022-04-06T17:03:04.302" v="502" actId="20577"/>
         <pc:sldMkLst>
           <pc:docMk/>
           <pc:sldMk cId="2655605415" sldId="258"/>
@@ -153,21 +174,614 @@
             <ac:spMk id="2" creationId="{DBD7C5A0-8C9E-49BC-ABB9-38E436FADEBC}"/>
           </ac:spMkLst>
         </pc:spChg>
+        <pc:spChg chg="mod">
+          <ac:chgData name="Adrien Osakwe" userId="7a3e290c-eb83-484b-8e3d-d46ef2333477" providerId="ADAL" clId="{25E66032-0007-4E42-872B-EB3DBF1A85B3}" dt="2022-04-06T17:03:04.302" v="502" actId="20577"/>
+          <ac:spMkLst>
+            <pc:docMk/>
+            <pc:sldMk cId="2655605415" sldId="258"/>
+            <ac:spMk id="3" creationId="{63E2E733-1DD7-4AC3-9E34-0B1E7B33C4CF}"/>
+          </ac:spMkLst>
+        </pc:spChg>
       </pc:sldChg>
-      <pc:sldChg chg="modSp new mod">
-        <pc:chgData name="Adrien Osakwe" userId="7a3e290c-eb83-484b-8e3d-d46ef2333477" providerId="ADAL" clId="{25E66032-0007-4E42-872B-EB3DBF1A85B3}" dt="2022-04-06T13:44:38.997" v="34" actId="20577"/>
+      <pc:sldChg chg="addSp delSp modSp new mod setBg">
+        <pc:chgData name="Adrien Osakwe" userId="7a3e290c-eb83-484b-8e3d-d46ef2333477" providerId="ADAL" clId="{25E66032-0007-4E42-872B-EB3DBF1A85B3}" dt="2022-04-06T17:12:20.521" v="634" actId="1076"/>
         <pc:sldMkLst>
           <pc:docMk/>
           <pc:sldMk cId="198909495" sldId="259"/>
         </pc:sldMkLst>
         <pc:spChg chg="mod">
-          <ac:chgData name="Adrien Osakwe" userId="7a3e290c-eb83-484b-8e3d-d46ef2333477" providerId="ADAL" clId="{25E66032-0007-4E42-872B-EB3DBF1A85B3}" dt="2022-04-06T13:44:38.997" v="34" actId="20577"/>
+          <ac:chgData name="Adrien Osakwe" userId="7a3e290c-eb83-484b-8e3d-d46ef2333477" providerId="ADAL" clId="{25E66032-0007-4E42-872B-EB3DBF1A85B3}" dt="2022-04-06T17:06:09.999" v="553" actId="26606"/>
           <ac:spMkLst>
             <pc:docMk/>
             <pc:sldMk cId="198909495" sldId="259"/>
             <ac:spMk id="2" creationId="{737DA917-595B-45A7-8368-7A16455ED864}"/>
           </ac:spMkLst>
         </pc:spChg>
+        <pc:spChg chg="del">
+          <ac:chgData name="Adrien Osakwe" userId="7a3e290c-eb83-484b-8e3d-d46ef2333477" providerId="ADAL" clId="{25E66032-0007-4E42-872B-EB3DBF1A85B3}" dt="2022-04-06T17:04:07.643" v="514"/>
+          <ac:spMkLst>
+            <pc:docMk/>
+            <pc:sldMk cId="198909495" sldId="259"/>
+            <ac:spMk id="3" creationId="{BACEE8B4-1E82-4181-9215-DCFF4A083001}"/>
+          </ac:spMkLst>
+        </pc:spChg>
+        <pc:spChg chg="add">
+          <ac:chgData name="Adrien Osakwe" userId="7a3e290c-eb83-484b-8e3d-d46ef2333477" providerId="ADAL" clId="{25E66032-0007-4E42-872B-EB3DBF1A85B3}" dt="2022-04-06T17:06:09.999" v="553" actId="26606"/>
+          <ac:spMkLst>
+            <pc:docMk/>
+            <pc:sldMk cId="198909495" sldId="259"/>
+            <ac:spMk id="20" creationId="{33E72FA3-BD00-444A-AD9B-E6C3D069CDE3}"/>
+          </ac:spMkLst>
+        </pc:spChg>
+        <pc:picChg chg="add mod">
+          <ac:chgData name="Adrien Osakwe" userId="7a3e290c-eb83-484b-8e3d-d46ef2333477" providerId="ADAL" clId="{25E66032-0007-4E42-872B-EB3DBF1A85B3}" dt="2022-04-06T17:06:09.999" v="553" actId="26606"/>
+          <ac:picMkLst>
+            <pc:docMk/>
+            <pc:sldMk cId="198909495" sldId="259"/>
+            <ac:picMk id="5" creationId="{D1CAB305-095F-4D0D-8819-640908C8A289}"/>
+          </ac:picMkLst>
+        </pc:picChg>
+        <pc:picChg chg="add mod">
+          <ac:chgData name="Adrien Osakwe" userId="7a3e290c-eb83-484b-8e3d-d46ef2333477" providerId="ADAL" clId="{25E66032-0007-4E42-872B-EB3DBF1A85B3}" dt="2022-04-06T17:12:20.521" v="634" actId="1076"/>
+          <ac:picMkLst>
+            <pc:docMk/>
+            <pc:sldMk cId="198909495" sldId="259"/>
+            <ac:picMk id="7" creationId="{F5F92856-9FB8-40A3-920D-41271322A7F6}"/>
+          </ac:picMkLst>
+        </pc:picChg>
+        <pc:picChg chg="add mod">
+          <ac:chgData name="Adrien Osakwe" userId="7a3e290c-eb83-484b-8e3d-d46ef2333477" providerId="ADAL" clId="{25E66032-0007-4E42-872B-EB3DBF1A85B3}" dt="2022-04-06T17:06:09.999" v="553" actId="26606"/>
+          <ac:picMkLst>
+            <pc:docMk/>
+            <pc:sldMk cId="198909495" sldId="259"/>
+            <ac:picMk id="9" creationId="{12BB4402-D717-43FA-B522-CA35907E5816}"/>
+          </ac:picMkLst>
+        </pc:picChg>
+        <pc:picChg chg="add mod ord">
+          <ac:chgData name="Adrien Osakwe" userId="7a3e290c-eb83-484b-8e3d-d46ef2333477" providerId="ADAL" clId="{25E66032-0007-4E42-872B-EB3DBF1A85B3}" dt="2022-04-06T17:06:09.999" v="553" actId="26606"/>
+          <ac:picMkLst>
+            <pc:docMk/>
+            <pc:sldMk cId="198909495" sldId="259"/>
+            <ac:picMk id="11" creationId="{E3252E71-39DA-4085-AC95-02B8C4C2CA90}"/>
+          </ac:picMkLst>
+        </pc:picChg>
+        <pc:picChg chg="add mod ord">
+          <ac:chgData name="Adrien Osakwe" userId="7a3e290c-eb83-484b-8e3d-d46ef2333477" providerId="ADAL" clId="{25E66032-0007-4E42-872B-EB3DBF1A85B3}" dt="2022-04-06T17:06:09.999" v="553" actId="26606"/>
+          <ac:picMkLst>
+            <pc:docMk/>
+            <pc:sldMk cId="198909495" sldId="259"/>
+            <ac:picMk id="13" creationId="{6169277C-99C5-4009-AD06-371B4A5A08A5}"/>
+          </ac:picMkLst>
+        </pc:picChg>
+        <pc:picChg chg="add mod">
+          <ac:chgData name="Adrien Osakwe" userId="7a3e290c-eb83-484b-8e3d-d46ef2333477" providerId="ADAL" clId="{25E66032-0007-4E42-872B-EB3DBF1A85B3}" dt="2022-04-06T17:06:09.999" v="553" actId="26606"/>
+          <ac:picMkLst>
+            <pc:docMk/>
+            <pc:sldMk cId="198909495" sldId="259"/>
+            <ac:picMk id="15" creationId="{21673102-BC8B-4A2A-A294-8AED7311FA40}"/>
+          </ac:picMkLst>
+        </pc:picChg>
+      </pc:sldChg>
+      <pc:sldChg chg="addSp delSp modSp new mod ord setBg">
+        <pc:chgData name="Adrien Osakwe" userId="7a3e290c-eb83-484b-8e3d-d46ef2333477" providerId="ADAL" clId="{25E66032-0007-4E42-872B-EB3DBF1A85B3}" dt="2022-04-06T17:09:04.401" v="596" actId="26606"/>
+        <pc:sldMkLst>
+          <pc:docMk/>
+          <pc:sldMk cId="197736486" sldId="260"/>
+        </pc:sldMkLst>
+        <pc:spChg chg="mod ord">
+          <ac:chgData name="Adrien Osakwe" userId="7a3e290c-eb83-484b-8e3d-d46ef2333477" providerId="ADAL" clId="{25E66032-0007-4E42-872B-EB3DBF1A85B3}" dt="2022-04-06T17:09:04.401" v="596" actId="26606"/>
+          <ac:spMkLst>
+            <pc:docMk/>
+            <pc:sldMk cId="197736486" sldId="260"/>
+            <ac:spMk id="2" creationId="{B84815E7-9FD3-43A3-A460-B602738E9520}"/>
+          </ac:spMkLst>
+        </pc:spChg>
+        <pc:spChg chg="del">
+          <ac:chgData name="Adrien Osakwe" userId="7a3e290c-eb83-484b-8e3d-d46ef2333477" providerId="ADAL" clId="{25E66032-0007-4E42-872B-EB3DBF1A85B3}" dt="2022-04-06T17:05:52.263" v="539"/>
+          <ac:spMkLst>
+            <pc:docMk/>
+            <pc:sldMk cId="197736486" sldId="260"/>
+            <ac:spMk id="3" creationId="{4350FD4D-8817-4FD5-968B-47292F347F0C}"/>
+          </ac:spMkLst>
+        </pc:spChg>
+        <pc:spChg chg="add del">
+          <ac:chgData name="Adrien Osakwe" userId="7a3e290c-eb83-484b-8e3d-d46ef2333477" providerId="ADAL" clId="{25E66032-0007-4E42-872B-EB3DBF1A85B3}" dt="2022-04-06T17:09:04.401" v="596" actId="26606"/>
+          <ac:spMkLst>
+            <pc:docMk/>
+            <pc:sldMk cId="197736486" sldId="260"/>
+            <ac:spMk id="20" creationId="{33E72FA3-BD00-444A-AD9B-E6C3D069CDE3}"/>
+          </ac:spMkLst>
+        </pc:spChg>
+        <pc:spChg chg="add del">
+          <ac:chgData name="Adrien Osakwe" userId="7a3e290c-eb83-484b-8e3d-d46ef2333477" providerId="ADAL" clId="{25E66032-0007-4E42-872B-EB3DBF1A85B3}" dt="2022-04-06T17:09:04.393" v="595" actId="26606"/>
+          <ac:spMkLst>
+            <pc:docMk/>
+            <pc:sldMk cId="197736486" sldId="260"/>
+            <ac:spMk id="25" creationId="{72018E1B-E0B9-4440-AFF3-4112E50A2763}"/>
+          </ac:spMkLst>
+        </pc:spChg>
+        <pc:spChg chg="add">
+          <ac:chgData name="Adrien Osakwe" userId="7a3e290c-eb83-484b-8e3d-d46ef2333477" providerId="ADAL" clId="{25E66032-0007-4E42-872B-EB3DBF1A85B3}" dt="2022-04-06T17:09:04.401" v="596" actId="26606"/>
+          <ac:spMkLst>
+            <pc:docMk/>
+            <pc:sldMk cId="197736486" sldId="260"/>
+            <ac:spMk id="27" creationId="{53F29798-D584-4792-9B62-3F5F5C36D619}"/>
+          </ac:spMkLst>
+        </pc:spChg>
+        <pc:picChg chg="add mod ord">
+          <ac:chgData name="Adrien Osakwe" userId="7a3e290c-eb83-484b-8e3d-d46ef2333477" providerId="ADAL" clId="{25E66032-0007-4E42-872B-EB3DBF1A85B3}" dt="2022-04-06T17:09:04.401" v="596" actId="26606"/>
+          <ac:picMkLst>
+            <pc:docMk/>
+            <pc:sldMk cId="197736486" sldId="260"/>
+            <ac:picMk id="5" creationId="{4DA04887-DEFC-45BF-B7BC-46CB6D36A123}"/>
+          </ac:picMkLst>
+        </pc:picChg>
+        <pc:picChg chg="add mod ord">
+          <ac:chgData name="Adrien Osakwe" userId="7a3e290c-eb83-484b-8e3d-d46ef2333477" providerId="ADAL" clId="{25E66032-0007-4E42-872B-EB3DBF1A85B3}" dt="2022-04-06T17:09:04.401" v="596" actId="26606"/>
+          <ac:picMkLst>
+            <pc:docMk/>
+            <pc:sldMk cId="197736486" sldId="260"/>
+            <ac:picMk id="7" creationId="{BEDC50D3-7DC9-47EE-A47C-E3F72A4E8C19}"/>
+          </ac:picMkLst>
+        </pc:picChg>
+        <pc:picChg chg="add mod ord">
+          <ac:chgData name="Adrien Osakwe" userId="7a3e290c-eb83-484b-8e3d-d46ef2333477" providerId="ADAL" clId="{25E66032-0007-4E42-872B-EB3DBF1A85B3}" dt="2022-04-06T17:09:04.401" v="596" actId="26606"/>
+          <ac:picMkLst>
+            <pc:docMk/>
+            <pc:sldMk cId="197736486" sldId="260"/>
+            <ac:picMk id="9" creationId="{E1B92AD5-1334-4574-BBF7-7AB39856530C}"/>
+          </ac:picMkLst>
+        </pc:picChg>
+        <pc:picChg chg="add mod ord">
+          <ac:chgData name="Adrien Osakwe" userId="7a3e290c-eb83-484b-8e3d-d46ef2333477" providerId="ADAL" clId="{25E66032-0007-4E42-872B-EB3DBF1A85B3}" dt="2022-04-06T17:09:04.401" v="596" actId="26606"/>
+          <ac:picMkLst>
+            <pc:docMk/>
+            <pc:sldMk cId="197736486" sldId="260"/>
+            <ac:picMk id="11" creationId="{69EBA09F-6655-467A-96CE-F9EBA1B9FE1E}"/>
+          </ac:picMkLst>
+        </pc:picChg>
+        <pc:picChg chg="add mod">
+          <ac:chgData name="Adrien Osakwe" userId="7a3e290c-eb83-484b-8e3d-d46ef2333477" providerId="ADAL" clId="{25E66032-0007-4E42-872B-EB3DBF1A85B3}" dt="2022-04-06T17:09:04.401" v="596" actId="26606"/>
+          <ac:picMkLst>
+            <pc:docMk/>
+            <pc:sldMk cId="197736486" sldId="260"/>
+            <ac:picMk id="13" creationId="{13347A3F-B4DD-40E9-8A40-16CC2F9DD44E}"/>
+          </ac:picMkLst>
+        </pc:picChg>
+        <pc:picChg chg="add mod">
+          <ac:chgData name="Adrien Osakwe" userId="7a3e290c-eb83-484b-8e3d-d46ef2333477" providerId="ADAL" clId="{25E66032-0007-4E42-872B-EB3DBF1A85B3}" dt="2022-04-06T17:09:04.401" v="596" actId="26606"/>
+          <ac:picMkLst>
+            <pc:docMk/>
+            <pc:sldMk cId="197736486" sldId="260"/>
+            <ac:picMk id="15" creationId="{F927DCBB-B6D9-4557-8CBA-9B4CEB369949}"/>
+          </ac:picMkLst>
+        </pc:picChg>
+      </pc:sldChg>
+      <pc:sldChg chg="addSp delSp modSp new mod ord setBg">
+        <pc:chgData name="Adrien Osakwe" userId="7a3e290c-eb83-484b-8e3d-d46ef2333477" providerId="ADAL" clId="{25E66032-0007-4E42-872B-EB3DBF1A85B3}" dt="2022-04-06T17:22:24.459" v="864" actId="1076"/>
+        <pc:sldMkLst>
+          <pc:docMk/>
+          <pc:sldMk cId="3210220341" sldId="261"/>
+        </pc:sldMkLst>
+        <pc:spChg chg="mod">
+          <ac:chgData name="Adrien Osakwe" userId="7a3e290c-eb83-484b-8e3d-d46ef2333477" providerId="ADAL" clId="{25E66032-0007-4E42-872B-EB3DBF1A85B3}" dt="2022-04-06T17:09:47.520" v="612" actId="26606"/>
+          <ac:spMkLst>
+            <pc:docMk/>
+            <pc:sldMk cId="3210220341" sldId="261"/>
+            <ac:spMk id="2" creationId="{23B6AE5E-E975-490C-AD23-1340FB03798C}"/>
+          </ac:spMkLst>
+        </pc:spChg>
+        <pc:spChg chg="del">
+          <ac:chgData name="Adrien Osakwe" userId="7a3e290c-eb83-484b-8e3d-d46ef2333477" providerId="ADAL" clId="{25E66032-0007-4E42-872B-EB3DBF1A85B3}" dt="2022-04-06T17:06:37.459" v="559"/>
+          <ac:spMkLst>
+            <pc:docMk/>
+            <pc:sldMk cId="3210220341" sldId="261"/>
+            <ac:spMk id="3" creationId="{2FF167A8-FF99-46DC-8564-A8481036A0B6}"/>
+          </ac:spMkLst>
+        </pc:spChg>
+        <pc:spChg chg="add del mod">
+          <ac:chgData name="Adrien Osakwe" userId="7a3e290c-eb83-484b-8e3d-d46ef2333477" providerId="ADAL" clId="{25E66032-0007-4E42-872B-EB3DBF1A85B3}" dt="2022-04-06T17:09:43.464" v="599"/>
+          <ac:spMkLst>
+            <pc:docMk/>
+            <pc:sldMk cId="3210220341" sldId="261"/>
+            <ac:spMk id="17" creationId="{82F66F28-A5EE-4E85-A574-BC3F860A2BE6}"/>
+          </ac:spMkLst>
+        </pc:spChg>
+        <pc:spChg chg="add del">
+          <ac:chgData name="Adrien Osakwe" userId="7a3e290c-eb83-484b-8e3d-d46ef2333477" providerId="ADAL" clId="{25E66032-0007-4E42-872B-EB3DBF1A85B3}" dt="2022-04-06T17:09:47.520" v="612" actId="26606"/>
+          <ac:spMkLst>
+            <pc:docMk/>
+            <pc:sldMk cId="3210220341" sldId="261"/>
+            <ac:spMk id="20" creationId="{72018E1B-E0B9-4440-AFF3-4112E50A2763}"/>
+          </ac:spMkLst>
+        </pc:spChg>
+        <pc:spChg chg="add">
+          <ac:chgData name="Adrien Osakwe" userId="7a3e290c-eb83-484b-8e3d-d46ef2333477" providerId="ADAL" clId="{25E66032-0007-4E42-872B-EB3DBF1A85B3}" dt="2022-04-06T17:09:47.520" v="612" actId="26606"/>
+          <ac:spMkLst>
+            <pc:docMk/>
+            <pc:sldMk cId="3210220341" sldId="261"/>
+            <ac:spMk id="35" creationId="{33E72FA3-BD00-444A-AD9B-E6C3D069CDE3}"/>
+          </ac:spMkLst>
+        </pc:spChg>
+        <pc:picChg chg="add del mod">
+          <ac:chgData name="Adrien Osakwe" userId="7a3e290c-eb83-484b-8e3d-d46ef2333477" providerId="ADAL" clId="{25E66032-0007-4E42-872B-EB3DBF1A85B3}" dt="2022-04-06T17:09:39.998" v="598" actId="478"/>
+          <ac:picMkLst>
+            <pc:docMk/>
+            <pc:sldMk cId="3210220341" sldId="261"/>
+            <ac:picMk id="5" creationId="{06983338-45B0-4FC7-8651-7472D54B88F8}"/>
+          </ac:picMkLst>
+        </pc:picChg>
+        <pc:picChg chg="add del mod">
+          <ac:chgData name="Adrien Osakwe" userId="7a3e290c-eb83-484b-8e3d-d46ef2333477" providerId="ADAL" clId="{25E66032-0007-4E42-872B-EB3DBF1A85B3}" dt="2022-04-06T17:09:39.998" v="598" actId="478"/>
+          <ac:picMkLst>
+            <pc:docMk/>
+            <pc:sldMk cId="3210220341" sldId="261"/>
+            <ac:picMk id="7" creationId="{242144B1-FA10-4504-B10B-09FFB56D6CB9}"/>
+          </ac:picMkLst>
+        </pc:picChg>
+        <pc:picChg chg="add del mod">
+          <ac:chgData name="Adrien Osakwe" userId="7a3e290c-eb83-484b-8e3d-d46ef2333477" providerId="ADAL" clId="{25E66032-0007-4E42-872B-EB3DBF1A85B3}" dt="2022-04-06T17:09:39.998" v="598" actId="478"/>
+          <ac:picMkLst>
+            <pc:docMk/>
+            <pc:sldMk cId="3210220341" sldId="261"/>
+            <ac:picMk id="9" creationId="{400F6E42-E748-4422-ACFE-F19F6D8E9B55}"/>
+          </ac:picMkLst>
+        </pc:picChg>
+        <pc:picChg chg="add del mod">
+          <ac:chgData name="Adrien Osakwe" userId="7a3e290c-eb83-484b-8e3d-d46ef2333477" providerId="ADAL" clId="{25E66032-0007-4E42-872B-EB3DBF1A85B3}" dt="2022-04-06T17:09:39.998" v="598" actId="478"/>
+          <ac:picMkLst>
+            <pc:docMk/>
+            <pc:sldMk cId="3210220341" sldId="261"/>
+            <ac:picMk id="11" creationId="{535B0858-713B-4CEC-860B-3615F14450F5}"/>
+          </ac:picMkLst>
+        </pc:picChg>
+        <pc:picChg chg="add del mod">
+          <ac:chgData name="Adrien Osakwe" userId="7a3e290c-eb83-484b-8e3d-d46ef2333477" providerId="ADAL" clId="{25E66032-0007-4E42-872B-EB3DBF1A85B3}" dt="2022-04-06T17:09:39.998" v="598" actId="478"/>
+          <ac:picMkLst>
+            <pc:docMk/>
+            <pc:sldMk cId="3210220341" sldId="261"/>
+            <ac:picMk id="13" creationId="{90B2DEB6-6131-46A5-BA61-0BF7E5D51C7F}"/>
+          </ac:picMkLst>
+        </pc:picChg>
+        <pc:picChg chg="add del mod ord">
+          <ac:chgData name="Adrien Osakwe" userId="7a3e290c-eb83-484b-8e3d-d46ef2333477" providerId="ADAL" clId="{25E66032-0007-4E42-872B-EB3DBF1A85B3}" dt="2022-04-06T17:09:39.998" v="598" actId="478"/>
+          <ac:picMkLst>
+            <pc:docMk/>
+            <pc:sldMk cId="3210220341" sldId="261"/>
+            <ac:picMk id="15" creationId="{B4CB73A9-8142-4990-9CF6-0085BD3F5B1B}"/>
+          </ac:picMkLst>
+        </pc:picChg>
+        <pc:picChg chg="add mod">
+          <ac:chgData name="Adrien Osakwe" userId="7a3e290c-eb83-484b-8e3d-d46ef2333477" providerId="ADAL" clId="{25E66032-0007-4E42-872B-EB3DBF1A85B3}" dt="2022-04-06T17:09:47.520" v="612" actId="26606"/>
+          <ac:picMkLst>
+            <pc:docMk/>
+            <pc:sldMk cId="3210220341" sldId="261"/>
+            <ac:picMk id="19" creationId="{62C5A57C-673F-4CA7-B04A-EE987B5D800E}"/>
+          </ac:picMkLst>
+        </pc:picChg>
+        <pc:picChg chg="add mod ord">
+          <ac:chgData name="Adrien Osakwe" userId="7a3e290c-eb83-484b-8e3d-d46ef2333477" providerId="ADAL" clId="{25E66032-0007-4E42-872B-EB3DBF1A85B3}" dt="2022-04-06T17:09:47.520" v="612" actId="26606"/>
+          <ac:picMkLst>
+            <pc:docMk/>
+            <pc:sldMk cId="3210220341" sldId="261"/>
+            <ac:picMk id="22" creationId="{06A03D8B-0246-4B77-BDE8-67BB07844476}"/>
+          </ac:picMkLst>
+        </pc:picChg>
+        <pc:picChg chg="add mod">
+          <ac:chgData name="Adrien Osakwe" userId="7a3e290c-eb83-484b-8e3d-d46ef2333477" providerId="ADAL" clId="{25E66032-0007-4E42-872B-EB3DBF1A85B3}" dt="2022-04-06T17:09:47.520" v="612" actId="26606"/>
+          <ac:picMkLst>
+            <pc:docMk/>
+            <pc:sldMk cId="3210220341" sldId="261"/>
+            <ac:picMk id="24" creationId="{84F3441E-40DB-40C6-8CE4-FB997593EE94}"/>
+          </ac:picMkLst>
+        </pc:picChg>
+        <pc:picChg chg="add mod">
+          <ac:chgData name="Adrien Osakwe" userId="7a3e290c-eb83-484b-8e3d-d46ef2333477" providerId="ADAL" clId="{25E66032-0007-4E42-872B-EB3DBF1A85B3}" dt="2022-04-06T17:22:24.459" v="864" actId="1076"/>
+          <ac:picMkLst>
+            <pc:docMk/>
+            <pc:sldMk cId="3210220341" sldId="261"/>
+            <ac:picMk id="26" creationId="{4739D6EB-8EF0-44D8-A091-50195ADD786C}"/>
+          </ac:picMkLst>
+        </pc:picChg>
+        <pc:picChg chg="add mod">
+          <ac:chgData name="Adrien Osakwe" userId="7a3e290c-eb83-484b-8e3d-d46ef2333477" providerId="ADAL" clId="{25E66032-0007-4E42-872B-EB3DBF1A85B3}" dt="2022-04-06T17:22:14.606" v="863" actId="1076"/>
+          <ac:picMkLst>
+            <pc:docMk/>
+            <pc:sldMk cId="3210220341" sldId="261"/>
+            <ac:picMk id="28" creationId="{2C8D41F9-0F59-40C3-9CBA-5ECC63D603C6}"/>
+          </ac:picMkLst>
+        </pc:picChg>
+        <pc:picChg chg="add mod">
+          <ac:chgData name="Adrien Osakwe" userId="7a3e290c-eb83-484b-8e3d-d46ef2333477" providerId="ADAL" clId="{25E66032-0007-4E42-872B-EB3DBF1A85B3}" dt="2022-04-06T17:09:47.520" v="612" actId="26606"/>
+          <ac:picMkLst>
+            <pc:docMk/>
+            <pc:sldMk cId="3210220341" sldId="261"/>
+            <ac:picMk id="30" creationId="{558A38D7-5D91-49A8-805F-36B3F6184AAD}"/>
+          </ac:picMkLst>
+        </pc:picChg>
+      </pc:sldChg>
+      <pc:sldChg chg="addSp delSp modSp new mod setBg">
+        <pc:chgData name="Adrien Osakwe" userId="7a3e290c-eb83-484b-8e3d-d46ef2333477" providerId="ADAL" clId="{25E66032-0007-4E42-872B-EB3DBF1A85B3}" dt="2022-04-06T17:24:44.965" v="1009" actId="1076"/>
+        <pc:sldMkLst>
+          <pc:docMk/>
+          <pc:sldMk cId="3248954250" sldId="262"/>
+        </pc:sldMkLst>
+        <pc:spChg chg="mod">
+          <ac:chgData name="Adrien Osakwe" userId="7a3e290c-eb83-484b-8e3d-d46ef2333477" providerId="ADAL" clId="{25E66032-0007-4E42-872B-EB3DBF1A85B3}" dt="2022-04-06T17:13:15.859" v="649" actId="26606"/>
+          <ac:spMkLst>
+            <pc:docMk/>
+            <pc:sldMk cId="3248954250" sldId="262"/>
+            <ac:spMk id="2" creationId="{393EDB16-5766-4106-92D4-FAC775498C7F}"/>
+          </ac:spMkLst>
+        </pc:spChg>
+        <pc:spChg chg="mod">
+          <ac:chgData name="Adrien Osakwe" userId="7a3e290c-eb83-484b-8e3d-d46ef2333477" providerId="ADAL" clId="{25E66032-0007-4E42-872B-EB3DBF1A85B3}" dt="2022-04-06T17:16:11.733" v="714" actId="1076"/>
+          <ac:spMkLst>
+            <pc:docMk/>
+            <pc:sldMk cId="3248954250" sldId="262"/>
+            <ac:spMk id="3" creationId="{FCB12084-BFF7-4AD4-B7D4-2EE02C6FF732}"/>
+          </ac:spMkLst>
+        </pc:spChg>
+        <pc:spChg chg="add mod">
+          <ac:chgData name="Adrien Osakwe" userId="7a3e290c-eb83-484b-8e3d-d46ef2333477" providerId="ADAL" clId="{25E66032-0007-4E42-872B-EB3DBF1A85B3}" dt="2022-04-06T17:16:34.149" v="722" actId="1076"/>
+          <ac:spMkLst>
+            <pc:docMk/>
+            <pc:sldMk cId="3248954250" sldId="262"/>
+            <ac:spMk id="11" creationId="{A05BD54A-44DC-4253-B4EE-285830A41550}"/>
+          </ac:spMkLst>
+        </pc:spChg>
+        <pc:spChg chg="add del">
+          <ac:chgData name="Adrien Osakwe" userId="7a3e290c-eb83-484b-8e3d-d46ef2333477" providerId="ADAL" clId="{25E66032-0007-4E42-872B-EB3DBF1A85B3}" dt="2022-04-06T17:13:15.859" v="649" actId="26606"/>
+          <ac:spMkLst>
+            <pc:docMk/>
+            <pc:sldMk cId="3248954250" sldId="262"/>
+            <ac:spMk id="12" creationId="{D4A147F1-9FD9-4A8C-B704-F73CCD6F5871}"/>
+          </ac:spMkLst>
+        </pc:spChg>
+        <pc:spChg chg="add mod">
+          <ac:chgData name="Adrien Osakwe" userId="7a3e290c-eb83-484b-8e3d-d46ef2333477" providerId="ADAL" clId="{25E66032-0007-4E42-872B-EB3DBF1A85B3}" dt="2022-04-06T17:16:43.649" v="732" actId="1076"/>
+          <ac:spMkLst>
+            <pc:docMk/>
+            <pc:sldMk cId="3248954250" sldId="262"/>
+            <ac:spMk id="13" creationId="{AAAF4D13-2FAE-438E-B638-8B8AE663BB28}"/>
+          </ac:spMkLst>
+        </pc:spChg>
+        <pc:spChg chg="add del">
+          <ac:chgData name="Adrien Osakwe" userId="7a3e290c-eb83-484b-8e3d-d46ef2333477" providerId="ADAL" clId="{25E66032-0007-4E42-872B-EB3DBF1A85B3}" dt="2022-04-06T17:13:15.859" v="649" actId="26606"/>
+          <ac:spMkLst>
+            <pc:docMk/>
+            <pc:sldMk cId="3248954250" sldId="262"/>
+            <ac:spMk id="16" creationId="{EAD26B3D-BC93-4B80-BC43-54B858DE35E0}"/>
+          </ac:spMkLst>
+        </pc:spChg>
+        <pc:picChg chg="add del mod">
+          <ac:chgData name="Adrien Osakwe" userId="7a3e290c-eb83-484b-8e3d-d46ef2333477" providerId="ADAL" clId="{25E66032-0007-4E42-872B-EB3DBF1A85B3}" dt="2022-04-06T17:12:21.040" v="635"/>
+          <ac:picMkLst>
+            <pc:docMk/>
+            <pc:sldMk cId="3248954250" sldId="262"/>
+            <ac:picMk id="4" creationId="{ECE2928B-8922-4044-AE01-760DD1FC6601}"/>
+          </ac:picMkLst>
+        </pc:picChg>
+        <pc:picChg chg="add mod modCrop">
+          <ac:chgData name="Adrien Osakwe" userId="7a3e290c-eb83-484b-8e3d-d46ef2333477" providerId="ADAL" clId="{25E66032-0007-4E42-872B-EB3DBF1A85B3}" dt="2022-04-06T17:24:44.965" v="1009" actId="1076"/>
+          <ac:picMkLst>
+            <pc:docMk/>
+            <pc:sldMk cId="3248954250" sldId="262"/>
+            <ac:picMk id="5" creationId="{A26F4CB4-BCCB-4729-ADC2-9D5F1B1BB50F}"/>
+          </ac:picMkLst>
+        </pc:picChg>
+        <pc:picChg chg="add del mod ord">
+          <ac:chgData name="Adrien Osakwe" userId="7a3e290c-eb83-484b-8e3d-d46ef2333477" providerId="ADAL" clId="{25E66032-0007-4E42-872B-EB3DBF1A85B3}" dt="2022-04-06T17:21:28.644" v="857" actId="478"/>
+          <ac:picMkLst>
+            <pc:docMk/>
+            <pc:sldMk cId="3248954250" sldId="262"/>
+            <ac:picMk id="6" creationId="{0E80894B-CB32-414A-98F9-43FC147F9B19}"/>
+          </ac:picMkLst>
+        </pc:picChg>
+        <pc:picChg chg="add del mod modCrop">
+          <ac:chgData name="Adrien Osakwe" userId="7a3e290c-eb83-484b-8e3d-d46ef2333477" providerId="ADAL" clId="{25E66032-0007-4E42-872B-EB3DBF1A85B3}" dt="2022-04-06T17:21:28.644" v="857" actId="478"/>
+          <ac:picMkLst>
+            <pc:docMk/>
+            <pc:sldMk cId="3248954250" sldId="262"/>
+            <ac:picMk id="7" creationId="{CF838C40-EA93-4FA8-BCC8-6F44E6B65DC2}"/>
+          </ac:picMkLst>
+        </pc:picChg>
+        <pc:picChg chg="add del">
+          <ac:chgData name="Adrien Osakwe" userId="7a3e290c-eb83-484b-8e3d-d46ef2333477" providerId="ADAL" clId="{25E66032-0007-4E42-872B-EB3DBF1A85B3}" dt="2022-04-06T17:13:15.859" v="649" actId="26606"/>
+          <ac:picMkLst>
+            <pc:docMk/>
+            <pc:sldMk cId="3248954250" sldId="262"/>
+            <ac:picMk id="14" creationId="{5F8F69AD-D24F-4B8B-938D-75DCB1A43630}"/>
+          </ac:picMkLst>
+        </pc:picChg>
+        <pc:picChg chg="add mod modCrop">
+          <ac:chgData name="Adrien Osakwe" userId="7a3e290c-eb83-484b-8e3d-d46ef2333477" providerId="ADAL" clId="{25E66032-0007-4E42-872B-EB3DBF1A85B3}" dt="2022-04-06T17:24:34.864" v="1007" actId="1076"/>
+          <ac:picMkLst>
+            <pc:docMk/>
+            <pc:sldMk cId="3248954250" sldId="262"/>
+            <ac:picMk id="15" creationId="{4AD7C68A-3541-4D87-9DF7-16ABAD79642A}"/>
+          </ac:picMkLst>
+        </pc:picChg>
+        <pc:picChg chg="add mod modCrop">
+          <ac:chgData name="Adrien Osakwe" userId="7a3e290c-eb83-484b-8e3d-d46ef2333477" providerId="ADAL" clId="{25E66032-0007-4E42-872B-EB3DBF1A85B3}" dt="2022-04-06T17:24:41.034" v="1008" actId="1076"/>
+          <ac:picMkLst>
+            <pc:docMk/>
+            <pc:sldMk cId="3248954250" sldId="262"/>
+            <ac:picMk id="17" creationId="{8139935A-7E81-4D7A-8E48-CBE12EA064F1}"/>
+          </ac:picMkLst>
+        </pc:picChg>
+      </pc:sldChg>
+      <pc:sldChg chg="modSp new del mod">
+        <pc:chgData name="Adrien Osakwe" userId="7a3e290c-eb83-484b-8e3d-d46ef2333477" providerId="ADAL" clId="{25E66032-0007-4E42-872B-EB3DBF1A85B3}" dt="2022-04-06T17:17:40.290" v="764" actId="47"/>
+        <pc:sldMkLst>
+          <pc:docMk/>
+          <pc:sldMk cId="2223386702" sldId="263"/>
+        </pc:sldMkLst>
+        <pc:spChg chg="mod">
+          <ac:chgData name="Adrien Osakwe" userId="7a3e290c-eb83-484b-8e3d-d46ef2333477" providerId="ADAL" clId="{25E66032-0007-4E42-872B-EB3DBF1A85B3}" dt="2022-04-06T17:17:27.326" v="761" actId="20577"/>
+          <ac:spMkLst>
+            <pc:docMk/>
+            <pc:sldMk cId="2223386702" sldId="263"/>
+            <ac:spMk id="2" creationId="{19C8559E-5D74-4914-8539-034E62C34BF8}"/>
+          </ac:spMkLst>
+        </pc:spChg>
+      </pc:sldChg>
+      <pc:sldChg chg="addSp delSp modSp add mod">
+        <pc:chgData name="Adrien Osakwe" userId="7a3e290c-eb83-484b-8e3d-d46ef2333477" providerId="ADAL" clId="{25E66032-0007-4E42-872B-EB3DBF1A85B3}" dt="2022-04-06T17:26:03.713" v="1053" actId="732"/>
+        <pc:sldMkLst>
+          <pc:docMk/>
+          <pc:sldMk cId="3866738405" sldId="263"/>
+        </pc:sldMkLst>
+        <pc:spChg chg="mod">
+          <ac:chgData name="Adrien Osakwe" userId="7a3e290c-eb83-484b-8e3d-d46ef2333477" providerId="ADAL" clId="{25E66032-0007-4E42-872B-EB3DBF1A85B3}" dt="2022-04-06T17:17:51.040" v="792" actId="20577"/>
+          <ac:spMkLst>
+            <pc:docMk/>
+            <pc:sldMk cId="3866738405" sldId="263"/>
+            <ac:spMk id="2" creationId="{393EDB16-5766-4106-92D4-FAC775498C7F}"/>
+          </ac:spMkLst>
+        </pc:spChg>
+        <pc:picChg chg="del">
+          <ac:chgData name="Adrien Osakwe" userId="7a3e290c-eb83-484b-8e3d-d46ef2333477" providerId="ADAL" clId="{25E66032-0007-4E42-872B-EB3DBF1A85B3}" dt="2022-04-06T17:19:57.103" v="844" actId="478"/>
+          <ac:picMkLst>
+            <pc:docMk/>
+            <pc:sldMk cId="3866738405" sldId="263"/>
+            <ac:picMk id="5" creationId="{A26F4CB4-BCCB-4729-ADC2-9D5F1B1BB50F}"/>
+          </ac:picMkLst>
+        </pc:picChg>
+        <pc:picChg chg="del">
+          <ac:chgData name="Adrien Osakwe" userId="7a3e290c-eb83-484b-8e3d-d46ef2333477" providerId="ADAL" clId="{25E66032-0007-4E42-872B-EB3DBF1A85B3}" dt="2022-04-06T17:19:57.103" v="844" actId="478"/>
+          <ac:picMkLst>
+            <pc:docMk/>
+            <pc:sldMk cId="3866738405" sldId="263"/>
+            <ac:picMk id="6" creationId="{0E80894B-CB32-414A-98F9-43FC147F9B19}"/>
+          </ac:picMkLst>
+        </pc:picChg>
+        <pc:picChg chg="del">
+          <ac:chgData name="Adrien Osakwe" userId="7a3e290c-eb83-484b-8e3d-d46ef2333477" providerId="ADAL" clId="{25E66032-0007-4E42-872B-EB3DBF1A85B3}" dt="2022-04-06T17:19:57.103" v="844" actId="478"/>
+          <ac:picMkLst>
+            <pc:docMk/>
+            <pc:sldMk cId="3866738405" sldId="263"/>
+            <ac:picMk id="7" creationId="{CF838C40-EA93-4FA8-BCC8-6F44E6B65DC2}"/>
+          </ac:picMkLst>
+        </pc:picChg>
+        <pc:picChg chg="add mod modCrop">
+          <ac:chgData name="Adrien Osakwe" userId="7a3e290c-eb83-484b-8e3d-d46ef2333477" providerId="ADAL" clId="{25E66032-0007-4E42-872B-EB3DBF1A85B3}" dt="2022-04-06T17:25:50.555" v="1050" actId="732"/>
+          <ac:picMkLst>
+            <pc:docMk/>
+            <pc:sldMk cId="3866738405" sldId="263"/>
+            <ac:picMk id="9" creationId="{FA7D86AA-642E-49AE-9DC4-00D1058BCF2F}"/>
+          </ac:picMkLst>
+        </pc:picChg>
+        <pc:picChg chg="add mod modCrop">
+          <ac:chgData name="Adrien Osakwe" userId="7a3e290c-eb83-484b-8e3d-d46ef2333477" providerId="ADAL" clId="{25E66032-0007-4E42-872B-EB3DBF1A85B3}" dt="2022-04-06T17:25:42.101" v="1048" actId="1076"/>
+          <ac:picMkLst>
+            <pc:docMk/>
+            <pc:sldMk cId="3866738405" sldId="263"/>
+            <ac:picMk id="10" creationId="{4E3D440A-DF0D-482C-82E6-D7904B87F684}"/>
+          </ac:picMkLst>
+        </pc:picChg>
+        <pc:picChg chg="add mod modCrop">
+          <ac:chgData name="Adrien Osakwe" userId="7a3e290c-eb83-484b-8e3d-d46ef2333477" providerId="ADAL" clId="{25E66032-0007-4E42-872B-EB3DBF1A85B3}" dt="2022-04-06T17:26:03.713" v="1053" actId="732"/>
+          <ac:picMkLst>
+            <pc:docMk/>
+            <pc:sldMk cId="3866738405" sldId="263"/>
+            <ac:picMk id="12" creationId="{A31D8705-4C53-4770-B0CC-9EC4B54D98FC}"/>
+          </ac:picMkLst>
+        </pc:picChg>
+      </pc:sldChg>
+      <pc:sldChg chg="addSp delSp modSp add mod">
+        <pc:chgData name="Adrien Osakwe" userId="7a3e290c-eb83-484b-8e3d-d46ef2333477" providerId="ADAL" clId="{25E66032-0007-4E42-872B-EB3DBF1A85B3}" dt="2022-04-06T17:27:09.806" v="1117" actId="1076"/>
+        <pc:sldMkLst>
+          <pc:docMk/>
+          <pc:sldMk cId="212799693" sldId="264"/>
+        </pc:sldMkLst>
+        <pc:spChg chg="mod">
+          <ac:chgData name="Adrien Osakwe" userId="7a3e290c-eb83-484b-8e3d-d46ef2333477" providerId="ADAL" clId="{25E66032-0007-4E42-872B-EB3DBF1A85B3}" dt="2022-04-06T17:18:02.937" v="842" actId="20577"/>
+          <ac:spMkLst>
+            <pc:docMk/>
+            <pc:sldMk cId="212799693" sldId="264"/>
+            <ac:spMk id="2" creationId="{393EDB16-5766-4106-92D4-FAC775498C7F}"/>
+          </ac:spMkLst>
+        </pc:spChg>
+        <pc:picChg chg="del">
+          <ac:chgData name="Adrien Osakwe" userId="7a3e290c-eb83-484b-8e3d-d46ef2333477" providerId="ADAL" clId="{25E66032-0007-4E42-872B-EB3DBF1A85B3}" dt="2022-04-06T17:19:52.688" v="843" actId="478"/>
+          <ac:picMkLst>
+            <pc:docMk/>
+            <pc:sldMk cId="212799693" sldId="264"/>
+            <ac:picMk id="5" creationId="{A26F4CB4-BCCB-4729-ADC2-9D5F1B1BB50F}"/>
+          </ac:picMkLst>
+        </pc:picChg>
+        <pc:picChg chg="del">
+          <ac:chgData name="Adrien Osakwe" userId="7a3e290c-eb83-484b-8e3d-d46ef2333477" providerId="ADAL" clId="{25E66032-0007-4E42-872B-EB3DBF1A85B3}" dt="2022-04-06T17:19:52.688" v="843" actId="478"/>
+          <ac:picMkLst>
+            <pc:docMk/>
+            <pc:sldMk cId="212799693" sldId="264"/>
+            <ac:picMk id="6" creationId="{0E80894B-CB32-414A-98F9-43FC147F9B19}"/>
+          </ac:picMkLst>
+        </pc:picChg>
+        <pc:picChg chg="del">
+          <ac:chgData name="Adrien Osakwe" userId="7a3e290c-eb83-484b-8e3d-d46ef2333477" providerId="ADAL" clId="{25E66032-0007-4E42-872B-EB3DBF1A85B3}" dt="2022-04-06T17:19:52.688" v="843" actId="478"/>
+          <ac:picMkLst>
+            <pc:docMk/>
+            <pc:sldMk cId="212799693" sldId="264"/>
+            <ac:picMk id="7" creationId="{CF838C40-EA93-4FA8-BCC8-6F44E6B65DC2}"/>
+          </ac:picMkLst>
+        </pc:picChg>
+        <pc:picChg chg="add del mod">
+          <ac:chgData name="Adrien Osakwe" userId="7a3e290c-eb83-484b-8e3d-d46ef2333477" providerId="ADAL" clId="{25E66032-0007-4E42-872B-EB3DBF1A85B3}" dt="2022-04-06T17:26:49.294" v="1110" actId="478"/>
+          <ac:picMkLst>
+            <pc:docMk/>
+            <pc:sldMk cId="212799693" sldId="264"/>
+            <ac:picMk id="9" creationId="{FD76FE78-0B89-442A-BB68-76003E45B367}"/>
+          </ac:picMkLst>
+        </pc:picChg>
+        <pc:picChg chg="add del mod">
+          <ac:chgData name="Adrien Osakwe" userId="7a3e290c-eb83-484b-8e3d-d46ef2333477" providerId="ADAL" clId="{25E66032-0007-4E42-872B-EB3DBF1A85B3}" dt="2022-04-06T17:26:49.294" v="1110" actId="478"/>
+          <ac:picMkLst>
+            <pc:docMk/>
+            <pc:sldMk cId="212799693" sldId="264"/>
+            <ac:picMk id="10" creationId="{4EE12F66-0325-4E07-9A7C-03B4B6BE2A17}"/>
+          </ac:picMkLst>
+        </pc:picChg>
+        <pc:picChg chg="add del mod">
+          <ac:chgData name="Adrien Osakwe" userId="7a3e290c-eb83-484b-8e3d-d46ef2333477" providerId="ADAL" clId="{25E66032-0007-4E42-872B-EB3DBF1A85B3}" dt="2022-04-06T17:26:49.294" v="1110" actId="478"/>
+          <ac:picMkLst>
+            <pc:docMk/>
+            <pc:sldMk cId="212799693" sldId="264"/>
+            <ac:picMk id="12" creationId="{93A19233-4E50-447C-B245-0B5AD1F6DE82}"/>
+          </ac:picMkLst>
+        </pc:picChg>
+        <pc:picChg chg="add mod">
+          <ac:chgData name="Adrien Osakwe" userId="7a3e290c-eb83-484b-8e3d-d46ef2333477" providerId="ADAL" clId="{25E66032-0007-4E42-872B-EB3DBF1A85B3}" dt="2022-04-06T17:26:59.968" v="1115" actId="1076"/>
+          <ac:picMkLst>
+            <pc:docMk/>
+            <pc:sldMk cId="212799693" sldId="264"/>
+            <ac:picMk id="14" creationId="{5EE44A99-9678-4D0E-A37E-CB396AF5FBED}"/>
+          </ac:picMkLst>
+        </pc:picChg>
+        <pc:picChg chg="add mod">
+          <ac:chgData name="Adrien Osakwe" userId="7a3e290c-eb83-484b-8e3d-d46ef2333477" providerId="ADAL" clId="{25E66032-0007-4E42-872B-EB3DBF1A85B3}" dt="2022-04-06T17:27:05.543" v="1116" actId="1076"/>
+          <ac:picMkLst>
+            <pc:docMk/>
+            <pc:sldMk cId="212799693" sldId="264"/>
+            <ac:picMk id="15" creationId="{9D91F302-3E98-4875-9CAE-986231F3104B}"/>
+          </ac:picMkLst>
+        </pc:picChg>
+        <pc:picChg chg="add mod">
+          <ac:chgData name="Adrien Osakwe" userId="7a3e290c-eb83-484b-8e3d-d46ef2333477" providerId="ADAL" clId="{25E66032-0007-4E42-872B-EB3DBF1A85B3}" dt="2022-04-06T17:27:09.806" v="1117" actId="1076"/>
+          <ac:picMkLst>
+            <pc:docMk/>
+            <pc:sldMk cId="212799693" sldId="264"/>
+            <ac:picMk id="16" creationId="{9C788335-8A7B-47ED-8B44-6CEF0841A5E6}"/>
+          </ac:picMkLst>
+        </pc:picChg>
+      </pc:sldChg>
+      <pc:sldChg chg="new del">
+        <pc:chgData name="Adrien Osakwe" userId="7a3e290c-eb83-484b-8e3d-d46ef2333477" providerId="ADAL" clId="{25E66032-0007-4E42-872B-EB3DBF1A85B3}" dt="2022-04-06T17:17:39.442" v="763" actId="47"/>
+        <pc:sldMkLst>
+          <pc:docMk/>
+          <pc:sldMk cId="3908954035" sldId="264"/>
+        </pc:sldMkLst>
       </pc:sldChg>
     </pc:docChg>
   </pc:docChgLst>
@@ -3548,7 +4162,25 @@
           <a:bodyPr/>
           <a:lstStyle/>
           <a:p>
+            <a:r>
+              <a:rPr lang="en-CA" dirty="0"/>
+              <a:t>Based on Head direction, turning frequency/direction and position:</a:t>
+            </a:r>
+          </a:p>
+          <a:p>
+            <a:r>
+              <a:rPr lang="en-CA" dirty="0"/>
+              <a:t>Can we infer a navigation strategy for the bugs?</a:t>
+            </a:r>
+          </a:p>
+          <a:p>
             <a:endParaRPr lang="en-CA" dirty="0"/>
+          </a:p>
+          <a:p>
+            <a:r>
+              <a:rPr lang="en-CA" dirty="0"/>
+              <a:t>Are the appetitive and avoidance strategies exact opposites?</a:t>
+            </a:r>
           </a:p>
         </p:txBody>
       </p:sp>
@@ -3631,7 +4263,10 @@
           <a:bodyPr/>
           <a:lstStyle/>
           <a:p>
-            <a:endParaRPr lang="en-CA"/>
+            <a:r>
+              <a:rPr lang="en-CA" dirty="0"/>
+              <a:t>Based on the preferential index analysis last week, we felt it was easier to infer the strategy by focusing  on the control, EA and high GA treatment groups</a:t>
+            </a:r>
           </a:p>
         </p:txBody>
       </p:sp>
@@ -3651,6 +4286,14 @@
 <file path=ppt/slides/slide4.xml><?xml version="1.0" encoding="utf-8"?>
 <p:sld xmlns:a="http://schemas.openxmlformats.org/drawingml/2006/main" xmlns:r="http://schemas.openxmlformats.org/officeDocument/2006/relationships" xmlns:p="http://schemas.openxmlformats.org/presentationml/2006/main">
   <p:cSld>
+    <p:bg>
+      <p:bgPr>
+        <a:solidFill>
+          <a:schemeClr val="bg1"/>
+        </a:solidFill>
+        <a:effectLst/>
+      </p:bgPr>
+    </p:bg>
     <p:spTree>
       <p:nvGrpSpPr>
         <p:cNvPr id="1" name=""/>
@@ -3665,11 +4308,798 @@
           <a:chExt cx="0" cy="0"/>
         </a:xfrm>
       </p:grpSpPr>
+      <p:sp useBgFill="1">
+        <p:nvSpPr>
+          <p:cNvPr id="35" name="Rectangle 34">
+            <a:extLst>
+              <a:ext uri="{FF2B5EF4-FFF2-40B4-BE49-F238E27FC236}">
+                <a16:creationId xmlns:a16="http://schemas.microsoft.com/office/drawing/2014/main" id="{33E72FA3-BD00-444A-AD9B-E6C3D069CDE3}"/>
+              </a:ext>
+              <a:ext uri="{C183D7F6-B498-43B3-948B-1728B52AA6E4}">
+                <adec:decorative xmlns:adec="http://schemas.microsoft.com/office/drawing/2017/decorative" val="1"/>
+              </a:ext>
+            </a:extLst>
+          </p:cNvPr>
+          <p:cNvSpPr>
+            <a:spLocks noGrp="1" noRot="1" noChangeAspect="1" noMove="1" noResize="1" noEditPoints="1" noAdjustHandles="1" noChangeArrowheads="1" noChangeShapeType="1" noTextEdit="1"/>
+          </p:cNvSpPr>
+          <p:nvPr>
+            <p:extLst>
+              <p:ext uri="{386F3935-93C4-4BCD-93E2-E3B085C9AB24}">
+                <p16:designElem xmlns:p16="http://schemas.microsoft.com/office/powerpoint/2015/main" val="1"/>
+              </p:ext>
+            </p:extLst>
+          </p:nvPr>
+        </p:nvSpPr>
+        <p:spPr>
+          <a:xfrm>
+            <a:off x="-50801" y="0"/>
+            <a:ext cx="12188952" cy="6858000"/>
+          </a:xfrm>
+          <a:prstGeom prst="rect">
+            <a:avLst/>
+          </a:prstGeom>
+          <a:ln>
+            <a:noFill/>
+          </a:ln>
+        </p:spPr>
+        <p:style>
+          <a:lnRef idx="2">
+            <a:schemeClr val="accent1">
+              <a:shade val="50000"/>
+            </a:schemeClr>
+          </a:lnRef>
+          <a:fillRef idx="1">
+            <a:schemeClr val="accent1"/>
+          </a:fillRef>
+          <a:effectRef idx="0">
+            <a:schemeClr val="accent1"/>
+          </a:effectRef>
+          <a:fontRef idx="minor">
+            <a:schemeClr val="lt1"/>
+          </a:fontRef>
+        </p:style>
+        <p:txBody>
+          <a:bodyPr rtlCol="0" anchor="ctr"/>
+          <a:lstStyle/>
+          <a:p>
+            <a:pPr algn="ctr"/>
+            <a:endParaRPr lang="en-US"/>
+          </a:p>
+        </p:txBody>
+      </p:sp>
       <p:sp>
         <p:nvSpPr>
           <p:cNvPr id="2" name="Title 1">
             <a:extLst>
               <a:ext uri="{FF2B5EF4-FFF2-40B4-BE49-F238E27FC236}">
+                <a16:creationId xmlns:a16="http://schemas.microsoft.com/office/drawing/2014/main" id="{23B6AE5E-E975-490C-AD23-1340FB03798C}"/>
+              </a:ext>
+            </a:extLst>
+          </p:cNvPr>
+          <p:cNvSpPr>
+            <a:spLocks noGrp="1"/>
+          </p:cNvSpPr>
+          <p:nvPr>
+            <p:ph type="title"/>
+          </p:nvPr>
+        </p:nvSpPr>
+        <p:spPr>
+          <a:xfrm>
+            <a:off x="838200" y="557189"/>
+            <a:ext cx="10515600" cy="1110537"/>
+          </a:xfrm>
+        </p:spPr>
+        <p:txBody>
+          <a:bodyPr vert="horz" lIns="91440" tIns="45720" rIns="91440" bIns="45720" rtlCol="0" anchor="ctr">
+            <a:normAutofit/>
+          </a:bodyPr>
+          <a:lstStyle/>
+          <a:p>
+            <a:r>
+              <a:rPr lang="en-US" sz="5200" kern="1200" dirty="0">
+                <a:solidFill>
+                  <a:schemeClr val="tx1"/>
+                </a:solidFill>
+                <a:latin typeface="+mj-lt"/>
+                <a:ea typeface="+mj-ea"/>
+                <a:cs typeface="+mj-cs"/>
+              </a:rPr>
+              <a:t>Control (H2O)</a:t>
+            </a:r>
+          </a:p>
+        </p:txBody>
+      </p:sp>
+      <p:pic>
+        <p:nvPicPr>
+          <p:cNvPr id="19" name="Content Placeholder 18" descr="Chart, radar chart&#10;&#10;Description automatically generated">
+            <a:extLst>
+              <a:ext uri="{FF2B5EF4-FFF2-40B4-BE49-F238E27FC236}">
+                <a16:creationId xmlns:a16="http://schemas.microsoft.com/office/drawing/2014/main" id="{62C5A57C-673F-4CA7-B04A-EE987B5D800E}"/>
+              </a:ext>
+            </a:extLst>
+          </p:cNvPr>
+          <p:cNvPicPr>
+            <a:picLocks noGrp="1" noChangeAspect="1"/>
+          </p:cNvPicPr>
+          <p:nvPr>
+            <p:ph idx="1"/>
+          </p:nvPr>
+        </p:nvPicPr>
+        <p:blipFill>
+          <a:blip r:embed="rId2">
+            <a:extLst>
+              <a:ext uri="{28A0092B-C50C-407E-A947-70E740481C1C}">
+                <a14:useLocalDpi xmlns:a14="http://schemas.microsoft.com/office/drawing/2010/main" val="0"/>
+              </a:ext>
+            </a:extLst>
+          </a:blip>
+          <a:stretch>
+            <a:fillRect/>
+          </a:stretch>
+        </p:blipFill>
+        <p:spPr>
+          <a:xfrm>
+            <a:off x="723822" y="1834939"/>
+            <a:ext cx="2742633" cy="2056976"/>
+          </a:xfrm>
+          <a:prstGeom prst="rect">
+            <a:avLst/>
+          </a:prstGeom>
+        </p:spPr>
+      </p:pic>
+      <p:pic>
+        <p:nvPicPr>
+          <p:cNvPr id="24" name="Picture 23" descr="Chart, treemap chart&#10;&#10;Description automatically generated with medium confidence">
+            <a:extLst>
+              <a:ext uri="{FF2B5EF4-FFF2-40B4-BE49-F238E27FC236}">
+                <a16:creationId xmlns:a16="http://schemas.microsoft.com/office/drawing/2014/main" id="{84F3441E-40DB-40C6-8CE4-FB997593EE94}"/>
+              </a:ext>
+            </a:extLst>
+          </p:cNvPr>
+          <p:cNvPicPr>
+            <a:picLocks noChangeAspect="1"/>
+          </p:cNvPicPr>
+          <p:nvPr/>
+        </p:nvPicPr>
+        <p:blipFill>
+          <a:blip r:embed="rId3">
+            <a:extLst>
+              <a:ext uri="{28A0092B-C50C-407E-A947-70E740481C1C}">
+                <a14:useLocalDpi xmlns:a14="http://schemas.microsoft.com/office/drawing/2010/main" val="0"/>
+              </a:ext>
+            </a:extLst>
+          </a:blip>
+          <a:stretch>
+            <a:fillRect/>
+          </a:stretch>
+        </p:blipFill>
+        <p:spPr>
+          <a:xfrm>
+            <a:off x="4719757" y="1834939"/>
+            <a:ext cx="2742633" cy="2056976"/>
+          </a:xfrm>
+          <a:prstGeom prst="rect">
+            <a:avLst/>
+          </a:prstGeom>
+        </p:spPr>
+      </p:pic>
+      <p:pic>
+        <p:nvPicPr>
+          <p:cNvPr id="26" name="Picture 25" descr="Chart&#10;&#10;Description automatically generated">
+            <a:extLst>
+              <a:ext uri="{FF2B5EF4-FFF2-40B4-BE49-F238E27FC236}">
+                <a16:creationId xmlns:a16="http://schemas.microsoft.com/office/drawing/2014/main" id="{4739D6EB-8EF0-44D8-A091-50195ADD786C}"/>
+              </a:ext>
+            </a:extLst>
+          </p:cNvPr>
+          <p:cNvPicPr>
+            <a:picLocks noChangeAspect="1"/>
+          </p:cNvPicPr>
+          <p:nvPr/>
+        </p:nvPicPr>
+        <p:blipFill>
+          <a:blip r:embed="rId4">
+            <a:extLst>
+              <a:ext uri="{28A0092B-C50C-407E-A947-70E740481C1C}">
+                <a14:useLocalDpi xmlns:a14="http://schemas.microsoft.com/office/drawing/2010/main" val="0"/>
+              </a:ext>
+            </a:extLst>
+          </a:blip>
+          <a:stretch>
+            <a:fillRect/>
+          </a:stretch>
+        </p:blipFill>
+        <p:spPr>
+          <a:xfrm>
+            <a:off x="723821" y="4099480"/>
+            <a:ext cx="2742633" cy="2056976"/>
+          </a:xfrm>
+          <a:prstGeom prst="rect">
+            <a:avLst/>
+          </a:prstGeom>
+        </p:spPr>
+      </p:pic>
+      <p:pic>
+        <p:nvPicPr>
+          <p:cNvPr id="28" name="Picture 27" descr="Chart&#10;&#10;Description automatically generated">
+            <a:extLst>
+              <a:ext uri="{FF2B5EF4-FFF2-40B4-BE49-F238E27FC236}">
+                <a16:creationId xmlns:a16="http://schemas.microsoft.com/office/drawing/2014/main" id="{2C8D41F9-0F59-40C3-9CBA-5ECC63D603C6}"/>
+              </a:ext>
+            </a:extLst>
+          </p:cNvPr>
+          <p:cNvPicPr>
+            <a:picLocks noChangeAspect="1"/>
+          </p:cNvPicPr>
+          <p:nvPr/>
+        </p:nvPicPr>
+        <p:blipFill>
+          <a:blip r:embed="rId5">
+            <a:extLst>
+              <a:ext uri="{28A0092B-C50C-407E-A947-70E740481C1C}">
+                <a14:useLocalDpi xmlns:a14="http://schemas.microsoft.com/office/drawing/2010/main" val="0"/>
+              </a:ext>
+            </a:extLst>
+          </a:blip>
+          <a:stretch>
+            <a:fillRect/>
+          </a:stretch>
+        </p:blipFill>
+        <p:spPr>
+          <a:xfrm>
+            <a:off x="8725547" y="1765882"/>
+            <a:ext cx="2742633" cy="2056976"/>
+          </a:xfrm>
+          <a:prstGeom prst="rect">
+            <a:avLst/>
+          </a:prstGeom>
+        </p:spPr>
+      </p:pic>
+      <p:pic>
+        <p:nvPicPr>
+          <p:cNvPr id="30" name="Picture 29" descr="Chart&#10;&#10;Description automatically generated">
+            <a:extLst>
+              <a:ext uri="{FF2B5EF4-FFF2-40B4-BE49-F238E27FC236}">
+                <a16:creationId xmlns:a16="http://schemas.microsoft.com/office/drawing/2014/main" id="{558A38D7-5D91-49A8-805F-36B3F6184AAD}"/>
+              </a:ext>
+            </a:extLst>
+          </p:cNvPr>
+          <p:cNvPicPr>
+            <a:picLocks noChangeAspect="1"/>
+          </p:cNvPicPr>
+          <p:nvPr/>
+        </p:nvPicPr>
+        <p:blipFill>
+          <a:blip r:embed="rId6">
+            <a:extLst>
+              <a:ext uri="{28A0092B-C50C-407E-A947-70E740481C1C}">
+                <a14:useLocalDpi xmlns:a14="http://schemas.microsoft.com/office/drawing/2010/main" val="0"/>
+              </a:ext>
+            </a:extLst>
+          </a:blip>
+          <a:stretch>
+            <a:fillRect/>
+          </a:stretch>
+        </p:blipFill>
+        <p:spPr>
+          <a:xfrm>
+            <a:off x="4719757" y="4063630"/>
+            <a:ext cx="2742633" cy="2056976"/>
+          </a:xfrm>
+          <a:prstGeom prst="rect">
+            <a:avLst/>
+          </a:prstGeom>
+        </p:spPr>
+      </p:pic>
+      <p:pic>
+        <p:nvPicPr>
+          <p:cNvPr id="22" name="Picture 21" descr="Diagram&#10;&#10;Description automatically generated">
+            <a:extLst>
+              <a:ext uri="{FF2B5EF4-FFF2-40B4-BE49-F238E27FC236}">
+                <a16:creationId xmlns:a16="http://schemas.microsoft.com/office/drawing/2014/main" id="{06A03D8B-0246-4B77-BDE8-67BB07844476}"/>
+              </a:ext>
+            </a:extLst>
+          </p:cNvPr>
+          <p:cNvPicPr>
+            <a:picLocks noChangeAspect="1"/>
+          </p:cNvPicPr>
+          <p:nvPr/>
+        </p:nvPicPr>
+        <p:blipFill>
+          <a:blip r:embed="rId7">
+            <a:extLst>
+              <a:ext uri="{28A0092B-C50C-407E-A947-70E740481C1C}">
+                <a14:useLocalDpi xmlns:a14="http://schemas.microsoft.com/office/drawing/2010/main" val="0"/>
+              </a:ext>
+            </a:extLst>
+          </a:blip>
+          <a:stretch>
+            <a:fillRect/>
+          </a:stretch>
+        </p:blipFill>
+        <p:spPr>
+          <a:xfrm>
+            <a:off x="8713114" y="4063630"/>
+            <a:ext cx="2742633" cy="2056976"/>
+          </a:xfrm>
+          <a:prstGeom prst="rect">
+            <a:avLst/>
+          </a:prstGeom>
+        </p:spPr>
+      </p:pic>
+    </p:spTree>
+    <p:extLst>
+      <p:ext uri="{BB962C8B-B14F-4D97-AF65-F5344CB8AC3E}">
+        <p14:creationId xmlns:p14="http://schemas.microsoft.com/office/powerpoint/2010/main" val="3210220341"/>
+      </p:ext>
+    </p:extLst>
+  </p:cSld>
+  <p:clrMapOvr>
+    <a:masterClrMapping/>
+  </p:clrMapOvr>
+</p:sld>
+</file>
+
+<file path=ppt/slides/slide5.xml><?xml version="1.0" encoding="utf-8"?>
+<p:sld xmlns:a="http://schemas.openxmlformats.org/drawingml/2006/main" xmlns:r="http://schemas.openxmlformats.org/officeDocument/2006/relationships" xmlns:p="http://schemas.openxmlformats.org/presentationml/2006/main">
+  <p:cSld>
+    <p:bg>
+      <p:bgPr>
+        <a:solidFill>
+          <a:schemeClr val="bg1"/>
+        </a:solidFill>
+        <a:effectLst/>
+      </p:bgPr>
+    </p:bg>
+    <p:spTree>
+      <p:nvGrpSpPr>
+        <p:cNvPr id="1" name=""/>
+        <p:cNvGrpSpPr/>
+        <p:nvPr/>
+      </p:nvGrpSpPr>
+      <p:grpSpPr>
+        <a:xfrm>
+          <a:off x="0" y="0"/>
+          <a:ext cx="0" cy="0"/>
+          <a:chOff x="0" y="0"/>
+          <a:chExt cx="0" cy="0"/>
+        </a:xfrm>
+      </p:grpSpPr>
+      <p:sp useBgFill="1">
+        <p:nvSpPr>
+          <p:cNvPr id="27" name="Rectangle 24">
+            <a:extLst>
+              <a:ext uri="{FF2B5EF4-FFF2-40B4-BE49-F238E27FC236}">
+                <a16:creationId xmlns:a16="http://schemas.microsoft.com/office/drawing/2014/main" id="{53F29798-D584-4792-9B62-3F5F5C36D619}"/>
+              </a:ext>
+              <a:ext uri="{C183D7F6-B498-43B3-948B-1728B52AA6E4}">
+                <adec:decorative xmlns:adec="http://schemas.microsoft.com/office/drawing/2017/decorative" val="1"/>
+              </a:ext>
+            </a:extLst>
+          </p:cNvPr>
+          <p:cNvSpPr>
+            <a:spLocks noGrp="1" noRot="1" noChangeAspect="1" noMove="1" noResize="1" noEditPoints="1" noAdjustHandles="1" noChangeArrowheads="1" noChangeShapeType="1" noTextEdit="1"/>
+          </p:cNvSpPr>
+          <p:nvPr>
+            <p:extLst>
+              <p:ext uri="{386F3935-93C4-4BCD-93E2-E3B085C9AB24}">
+                <p16:designElem xmlns:p16="http://schemas.microsoft.com/office/powerpoint/2015/main" val="1"/>
+              </p:ext>
+            </p:extLst>
+          </p:nvPr>
+        </p:nvSpPr>
+        <p:spPr>
+          <a:xfrm>
+            <a:off x="0" y="0"/>
+            <a:ext cx="12188952" cy="6858000"/>
+          </a:xfrm>
+          <a:prstGeom prst="rect">
+            <a:avLst/>
+          </a:prstGeom>
+          <a:ln>
+            <a:noFill/>
+          </a:ln>
+        </p:spPr>
+        <p:style>
+          <a:lnRef idx="2">
+            <a:schemeClr val="accent1">
+              <a:shade val="50000"/>
+            </a:schemeClr>
+          </a:lnRef>
+          <a:fillRef idx="1">
+            <a:schemeClr val="accent1"/>
+          </a:fillRef>
+          <a:effectRef idx="0">
+            <a:schemeClr val="accent1"/>
+          </a:effectRef>
+          <a:fontRef idx="minor">
+            <a:schemeClr val="lt1"/>
+          </a:fontRef>
+        </p:style>
+        <p:txBody>
+          <a:bodyPr rtlCol="0" anchor="ctr"/>
+          <a:lstStyle/>
+          <a:p>
+            <a:pPr algn="ctr"/>
+            <a:endParaRPr lang="en-US"/>
+          </a:p>
+        </p:txBody>
+      </p:sp>
+      <p:pic>
+        <p:nvPicPr>
+          <p:cNvPr id="11" name="Picture 10" descr="Chart, radar chart&#10;&#10;Description automatically generated">
+            <a:extLst>
+              <a:ext uri="{FF2B5EF4-FFF2-40B4-BE49-F238E27FC236}">
+                <a16:creationId xmlns:a16="http://schemas.microsoft.com/office/drawing/2014/main" id="{69EBA09F-6655-467A-96CE-F9EBA1B9FE1E}"/>
+              </a:ext>
+            </a:extLst>
+          </p:cNvPr>
+          <p:cNvPicPr>
+            <a:picLocks noChangeAspect="1"/>
+          </p:cNvPicPr>
+          <p:nvPr/>
+        </p:nvPicPr>
+        <p:blipFill>
+          <a:blip r:embed="rId2">
+            <a:extLst>
+              <a:ext uri="{28A0092B-C50C-407E-A947-70E740481C1C}">
+                <a14:useLocalDpi xmlns:a14="http://schemas.microsoft.com/office/drawing/2010/main" val="0"/>
+              </a:ext>
+            </a:extLst>
+          </a:blip>
+          <a:stretch>
+            <a:fillRect/>
+          </a:stretch>
+        </p:blipFill>
+        <p:spPr>
+          <a:xfrm>
+            <a:off x="1612900" y="1844675"/>
+            <a:ext cx="2947988" cy="2193925"/>
+          </a:xfrm>
+          <a:prstGeom prst="rect">
+            <a:avLst/>
+          </a:prstGeom>
+        </p:spPr>
+      </p:pic>
+      <p:pic>
+        <p:nvPicPr>
+          <p:cNvPr id="5" name="Content Placeholder 4" descr="Chart, treemap chart&#10;&#10;Description automatically generated">
+            <a:extLst>
+              <a:ext uri="{FF2B5EF4-FFF2-40B4-BE49-F238E27FC236}">
+                <a16:creationId xmlns:a16="http://schemas.microsoft.com/office/drawing/2014/main" id="{4DA04887-DEFC-45BF-B7BC-46CB6D36A123}"/>
+              </a:ext>
+            </a:extLst>
+          </p:cNvPr>
+          <p:cNvPicPr>
+            <a:picLocks noGrp="1" noChangeAspect="1"/>
+          </p:cNvPicPr>
+          <p:nvPr>
+            <p:ph idx="1"/>
+          </p:nvPr>
+        </p:nvPicPr>
+        <p:blipFill>
+          <a:blip r:embed="rId3">
+            <a:extLst>
+              <a:ext uri="{28A0092B-C50C-407E-A947-70E740481C1C}">
+                <a14:useLocalDpi xmlns:a14="http://schemas.microsoft.com/office/drawing/2010/main" val="0"/>
+              </a:ext>
+            </a:extLst>
+          </a:blip>
+          <a:stretch>
+            <a:fillRect/>
+          </a:stretch>
+        </p:blipFill>
+        <p:spPr>
+          <a:xfrm>
+            <a:off x="4621213" y="1844675"/>
+            <a:ext cx="2947988" cy="2193925"/>
+          </a:xfrm>
+          <a:prstGeom prst="rect">
+            <a:avLst/>
+          </a:prstGeom>
+        </p:spPr>
+      </p:pic>
+      <p:pic>
+        <p:nvPicPr>
+          <p:cNvPr id="13" name="Picture 12" descr="Chart&#10;&#10;Description automatically generated with medium confidence">
+            <a:extLst>
+              <a:ext uri="{FF2B5EF4-FFF2-40B4-BE49-F238E27FC236}">
+                <a16:creationId xmlns:a16="http://schemas.microsoft.com/office/drawing/2014/main" id="{13347A3F-B4DD-40E9-8A40-16CC2F9DD44E}"/>
+              </a:ext>
+            </a:extLst>
+          </p:cNvPr>
+          <p:cNvPicPr>
+            <a:picLocks noChangeAspect="1"/>
+          </p:cNvPicPr>
+          <p:nvPr/>
+        </p:nvPicPr>
+        <p:blipFill>
+          <a:blip r:embed="rId4">
+            <a:extLst>
+              <a:ext uri="{28A0092B-C50C-407E-A947-70E740481C1C}">
+                <a14:useLocalDpi xmlns:a14="http://schemas.microsoft.com/office/drawing/2010/main" val="0"/>
+              </a:ext>
+            </a:extLst>
+          </a:blip>
+          <a:stretch>
+            <a:fillRect/>
+          </a:stretch>
+        </p:blipFill>
+        <p:spPr>
+          <a:xfrm>
+            <a:off x="7629525" y="1844675"/>
+            <a:ext cx="2947988" cy="2193925"/>
+          </a:xfrm>
+          <a:prstGeom prst="rect">
+            <a:avLst/>
+          </a:prstGeom>
+        </p:spPr>
+      </p:pic>
+      <p:pic>
+        <p:nvPicPr>
+          <p:cNvPr id="15" name="Picture 14" descr="Chart, treemap chart&#10;&#10;Description automatically generated">
+            <a:extLst>
+              <a:ext uri="{FF2B5EF4-FFF2-40B4-BE49-F238E27FC236}">
+                <a16:creationId xmlns:a16="http://schemas.microsoft.com/office/drawing/2014/main" id="{F927DCBB-B6D9-4557-8CBA-9B4CEB369949}"/>
+              </a:ext>
+            </a:extLst>
+          </p:cNvPr>
+          <p:cNvPicPr>
+            <a:picLocks noChangeAspect="1"/>
+          </p:cNvPicPr>
+          <p:nvPr/>
+        </p:nvPicPr>
+        <p:blipFill>
+          <a:blip r:embed="rId5">
+            <a:extLst>
+              <a:ext uri="{28A0092B-C50C-407E-A947-70E740481C1C}">
+                <a14:useLocalDpi xmlns:a14="http://schemas.microsoft.com/office/drawing/2010/main" val="0"/>
+              </a:ext>
+            </a:extLst>
+          </a:blip>
+          <a:stretch>
+            <a:fillRect/>
+          </a:stretch>
+        </p:blipFill>
+        <p:spPr>
+          <a:xfrm>
+            <a:off x="1612900" y="4100513"/>
+            <a:ext cx="2947988" cy="2193925"/>
+          </a:xfrm>
+          <a:prstGeom prst="rect">
+            <a:avLst/>
+          </a:prstGeom>
+        </p:spPr>
+      </p:pic>
+      <p:pic>
+        <p:nvPicPr>
+          <p:cNvPr id="9" name="Picture 8" descr="Chart, radar chart&#10;&#10;Description automatically generated">
+            <a:extLst>
+              <a:ext uri="{FF2B5EF4-FFF2-40B4-BE49-F238E27FC236}">
+                <a16:creationId xmlns:a16="http://schemas.microsoft.com/office/drawing/2014/main" id="{E1B92AD5-1334-4574-BBF7-7AB39856530C}"/>
+              </a:ext>
+            </a:extLst>
+          </p:cNvPr>
+          <p:cNvPicPr>
+            <a:picLocks noChangeAspect="1"/>
+          </p:cNvPicPr>
+          <p:nvPr/>
+        </p:nvPicPr>
+        <p:blipFill>
+          <a:blip r:embed="rId6">
+            <a:extLst>
+              <a:ext uri="{28A0092B-C50C-407E-A947-70E740481C1C}">
+                <a14:useLocalDpi xmlns:a14="http://schemas.microsoft.com/office/drawing/2010/main" val="0"/>
+              </a:ext>
+            </a:extLst>
+          </a:blip>
+          <a:stretch>
+            <a:fillRect/>
+          </a:stretch>
+        </p:blipFill>
+        <p:spPr>
+          <a:xfrm>
+            <a:off x="4621213" y="4100513"/>
+            <a:ext cx="2947988" cy="2193925"/>
+          </a:xfrm>
+          <a:prstGeom prst="rect">
+            <a:avLst/>
+          </a:prstGeom>
+        </p:spPr>
+      </p:pic>
+      <p:pic>
+        <p:nvPicPr>
+          <p:cNvPr id="7" name="Picture 6" descr="Chart, radar chart&#10;&#10;Description automatically generated">
+            <a:extLst>
+              <a:ext uri="{FF2B5EF4-FFF2-40B4-BE49-F238E27FC236}">
+                <a16:creationId xmlns:a16="http://schemas.microsoft.com/office/drawing/2014/main" id="{BEDC50D3-7DC9-47EE-A47C-E3F72A4E8C19}"/>
+              </a:ext>
+            </a:extLst>
+          </p:cNvPr>
+          <p:cNvPicPr>
+            <a:picLocks noChangeAspect="1"/>
+          </p:cNvPicPr>
+          <p:nvPr/>
+        </p:nvPicPr>
+        <p:blipFill>
+          <a:blip r:embed="rId7">
+            <a:extLst>
+              <a:ext uri="{28A0092B-C50C-407E-A947-70E740481C1C}">
+                <a14:useLocalDpi xmlns:a14="http://schemas.microsoft.com/office/drawing/2010/main" val="0"/>
+              </a:ext>
+            </a:extLst>
+          </a:blip>
+          <a:stretch>
+            <a:fillRect/>
+          </a:stretch>
+        </p:blipFill>
+        <p:spPr>
+          <a:xfrm>
+            <a:off x="7629525" y="4100513"/>
+            <a:ext cx="2947988" cy="2193925"/>
+          </a:xfrm>
+          <a:prstGeom prst="rect">
+            <a:avLst/>
+          </a:prstGeom>
+        </p:spPr>
+      </p:pic>
+      <p:sp>
+        <p:nvSpPr>
+          <p:cNvPr id="2" name="Title 1">
+            <a:extLst>
+              <a:ext uri="{FF2B5EF4-FFF2-40B4-BE49-F238E27FC236}">
+                <a16:creationId xmlns:a16="http://schemas.microsoft.com/office/drawing/2014/main" id="{B84815E7-9FD3-43A3-A460-B602738E9520}"/>
+              </a:ext>
+            </a:extLst>
+          </p:cNvPr>
+          <p:cNvSpPr>
+            <a:spLocks noGrp="1"/>
+          </p:cNvSpPr>
+          <p:nvPr>
+            <p:ph type="title"/>
+          </p:nvPr>
+        </p:nvSpPr>
+        <p:spPr>
+          <a:xfrm>
+            <a:off x="838200" y="184805"/>
+            <a:ext cx="10515600" cy="1505883"/>
+          </a:xfrm>
+        </p:spPr>
+        <p:txBody>
+          <a:bodyPr vert="horz" lIns="91440" tIns="45720" rIns="91440" bIns="45720" rtlCol="0" anchor="ctr">
+            <a:normAutofit/>
+          </a:bodyPr>
+          <a:lstStyle/>
+          <a:p>
+            <a:r>
+              <a:rPr lang="en-US" sz="5200" kern="1200">
+                <a:solidFill>
+                  <a:schemeClr val="tx1"/>
+                </a:solidFill>
+                <a:latin typeface="+mj-lt"/>
+                <a:ea typeface="+mj-ea"/>
+                <a:cs typeface="+mj-cs"/>
+              </a:rPr>
+              <a:t>GA </a:t>
+            </a:r>
+            <a:r>
+              <a:rPr lang="en-US" sz="5200" kern="1200" dirty="0">
+                <a:solidFill>
+                  <a:schemeClr val="tx1"/>
+                </a:solidFill>
+                <a:latin typeface="+mj-lt"/>
+                <a:ea typeface="+mj-ea"/>
+                <a:cs typeface="+mj-cs"/>
+              </a:rPr>
+              <a:t>High</a:t>
+            </a:r>
+          </a:p>
+        </p:txBody>
+      </p:sp>
+    </p:spTree>
+    <p:extLst>
+      <p:ext uri="{BB962C8B-B14F-4D97-AF65-F5344CB8AC3E}">
+        <p14:creationId xmlns:p14="http://schemas.microsoft.com/office/powerpoint/2010/main" val="197736486"/>
+      </p:ext>
+    </p:extLst>
+  </p:cSld>
+  <p:clrMapOvr>
+    <a:masterClrMapping/>
+  </p:clrMapOvr>
+</p:sld>
+</file>
+
+<file path=ppt/slides/slide6.xml><?xml version="1.0" encoding="utf-8"?>
+<p:sld xmlns:a="http://schemas.openxmlformats.org/drawingml/2006/main" xmlns:r="http://schemas.openxmlformats.org/officeDocument/2006/relationships" xmlns:p="http://schemas.openxmlformats.org/presentationml/2006/main">
+  <p:cSld>
+    <p:bg>
+      <p:bgPr>
+        <a:solidFill>
+          <a:schemeClr val="bg1"/>
+        </a:solidFill>
+        <a:effectLst/>
+      </p:bgPr>
+    </p:bg>
+    <p:spTree>
+      <p:nvGrpSpPr>
+        <p:cNvPr id="1" name=""/>
+        <p:cNvGrpSpPr/>
+        <p:nvPr/>
+      </p:nvGrpSpPr>
+      <p:grpSpPr>
+        <a:xfrm>
+          <a:off x="0" y="0"/>
+          <a:ext cx="0" cy="0"/>
+          <a:chOff x="0" y="0"/>
+          <a:chExt cx="0" cy="0"/>
+        </a:xfrm>
+      </p:grpSpPr>
+      <p:sp useBgFill="1">
+        <p:nvSpPr>
+          <p:cNvPr id="20" name="Rectangle 19">
+            <a:extLst>
+              <a:ext uri="{FF2B5EF4-FFF2-40B4-BE49-F238E27FC236}">
+                <a16:creationId xmlns:a16="http://schemas.microsoft.com/office/drawing/2014/main" id="{33E72FA3-BD00-444A-AD9B-E6C3D069CDE3}"/>
+              </a:ext>
+              <a:ext uri="{C183D7F6-B498-43B3-948B-1728B52AA6E4}">
+                <adec:decorative xmlns:adec="http://schemas.microsoft.com/office/drawing/2017/decorative" val="1"/>
+              </a:ext>
+            </a:extLst>
+          </p:cNvPr>
+          <p:cNvSpPr>
+            <a:spLocks noGrp="1" noRot="1" noChangeAspect="1" noMove="1" noResize="1" noEditPoints="1" noAdjustHandles="1" noChangeArrowheads="1" noChangeShapeType="1" noTextEdit="1"/>
+          </p:cNvSpPr>
+          <p:nvPr>
+            <p:extLst>
+              <p:ext uri="{386F3935-93C4-4BCD-93E2-E3B085C9AB24}">
+                <p16:designElem xmlns:p16="http://schemas.microsoft.com/office/powerpoint/2015/main" val="1"/>
+              </p:ext>
+            </p:extLst>
+          </p:nvPr>
+        </p:nvSpPr>
+        <p:spPr>
+          <a:xfrm>
+            <a:off x="-50801" y="0"/>
+            <a:ext cx="12188952" cy="6858000"/>
+          </a:xfrm>
+          <a:prstGeom prst="rect">
+            <a:avLst/>
+          </a:prstGeom>
+          <a:ln>
+            <a:noFill/>
+          </a:ln>
+        </p:spPr>
+        <p:style>
+          <a:lnRef idx="2">
+            <a:schemeClr val="accent1">
+              <a:shade val="50000"/>
+            </a:schemeClr>
+          </a:lnRef>
+          <a:fillRef idx="1">
+            <a:schemeClr val="accent1"/>
+          </a:fillRef>
+          <a:effectRef idx="0">
+            <a:schemeClr val="accent1"/>
+          </a:effectRef>
+          <a:fontRef idx="minor">
+            <a:schemeClr val="lt1"/>
+          </a:fontRef>
+        </p:style>
+        <p:txBody>
+          <a:bodyPr rtlCol="0" anchor="ctr"/>
+          <a:lstStyle/>
+          <a:p>
+            <a:pPr algn="ctr"/>
+            <a:endParaRPr lang="en-US"/>
+          </a:p>
+        </p:txBody>
+      </p:sp>
+      <p:sp>
+        <p:nvSpPr>
+          <p:cNvPr id="2" name="Title 1">
+            <a:extLst>
+              <a:ext uri="{FF2B5EF4-FFF2-40B4-BE49-F238E27FC236}">
                 <a16:creationId xmlns:a16="http://schemas.microsoft.com/office/drawing/2014/main" id="{737DA917-595B-45A7-8368-7A16455ED864}"/>
               </a:ext>
             </a:extLst>
@@ -3681,47 +5111,2114 @@
             <p:ph type="title"/>
           </p:nvPr>
         </p:nvSpPr>
-        <p:spPr/>
-        <p:txBody>
-          <a:bodyPr/>
+        <p:spPr>
+          <a:xfrm>
+            <a:off x="838200" y="557189"/>
+            <a:ext cx="10515600" cy="1110537"/>
+          </a:xfrm>
+        </p:spPr>
+        <p:txBody>
+          <a:bodyPr vert="horz" lIns="91440" tIns="45720" rIns="91440" bIns="45720" rtlCol="0" anchor="ctr">
+            <a:normAutofit/>
+          </a:bodyPr>
           <a:lstStyle/>
           <a:p>
             <a:r>
-              <a:rPr lang="en-CA" dirty="0"/>
-              <a:t>Results</a:t>
-            </a:r>
-          </a:p>
-        </p:txBody>
-      </p:sp>
-      <p:sp>
-        <p:nvSpPr>
-          <p:cNvPr id="3" name="Content Placeholder 2">
-            <a:extLst>
-              <a:ext uri="{FF2B5EF4-FFF2-40B4-BE49-F238E27FC236}">
-                <a16:creationId xmlns:a16="http://schemas.microsoft.com/office/drawing/2014/main" id="{BACEE8B4-1E82-4181-9215-DCFF4A083001}"/>
-              </a:ext>
-            </a:extLst>
-          </p:cNvPr>
-          <p:cNvSpPr>
-            <a:spLocks noGrp="1"/>
-          </p:cNvSpPr>
+              <a:rPr lang="en-US" sz="5200" kern="1200">
+                <a:solidFill>
+                  <a:schemeClr val="tx1"/>
+                </a:solidFill>
+                <a:latin typeface="+mj-lt"/>
+                <a:ea typeface="+mj-ea"/>
+                <a:cs typeface="+mj-cs"/>
+              </a:rPr>
+              <a:t>Results EA</a:t>
+            </a:r>
+          </a:p>
+        </p:txBody>
+      </p:sp>
+      <p:pic>
+        <p:nvPicPr>
+          <p:cNvPr id="5" name="Content Placeholder 4" descr="Chart, radar chart&#10;&#10;Description automatically generated">
+            <a:extLst>
+              <a:ext uri="{FF2B5EF4-FFF2-40B4-BE49-F238E27FC236}">
+                <a16:creationId xmlns:a16="http://schemas.microsoft.com/office/drawing/2014/main" id="{D1CAB305-095F-4D0D-8819-640908C8A289}"/>
+              </a:ext>
+            </a:extLst>
+          </p:cNvPr>
+          <p:cNvPicPr>
+            <a:picLocks noGrp="1" noChangeAspect="1"/>
+          </p:cNvPicPr>
           <p:nvPr>
             <p:ph idx="1"/>
           </p:nvPr>
-        </p:nvSpPr>
-        <p:spPr/>
-        <p:txBody>
-          <a:bodyPr/>
-          <a:lstStyle/>
-          <a:p>
-            <a:endParaRPr lang="en-CA"/>
-          </a:p>
-        </p:txBody>
-      </p:sp>
+        </p:nvPicPr>
+        <p:blipFill>
+          <a:blip r:embed="rId2">
+            <a:extLst>
+              <a:ext uri="{28A0092B-C50C-407E-A947-70E740481C1C}">
+                <a14:useLocalDpi xmlns:a14="http://schemas.microsoft.com/office/drawing/2010/main" val="0"/>
+              </a:ext>
+            </a:extLst>
+          </a:blip>
+          <a:stretch>
+            <a:fillRect/>
+          </a:stretch>
+        </p:blipFill>
+        <p:spPr>
+          <a:xfrm>
+            <a:off x="723822" y="1834939"/>
+            <a:ext cx="2742633" cy="2056976"/>
+          </a:xfrm>
+          <a:prstGeom prst="rect">
+            <a:avLst/>
+          </a:prstGeom>
+        </p:spPr>
+      </p:pic>
+      <p:pic>
+        <p:nvPicPr>
+          <p:cNvPr id="11" name="Picture 10" descr="Chart, treemap chart&#10;&#10;Description automatically generated">
+            <a:extLst>
+              <a:ext uri="{FF2B5EF4-FFF2-40B4-BE49-F238E27FC236}">
+                <a16:creationId xmlns:a16="http://schemas.microsoft.com/office/drawing/2014/main" id="{E3252E71-39DA-4085-AC95-02B8C4C2CA90}"/>
+              </a:ext>
+            </a:extLst>
+          </p:cNvPr>
+          <p:cNvPicPr>
+            <a:picLocks noChangeAspect="1"/>
+          </p:cNvPicPr>
+          <p:nvPr/>
+        </p:nvPicPr>
+        <p:blipFill>
+          <a:blip r:embed="rId3">
+            <a:extLst>
+              <a:ext uri="{28A0092B-C50C-407E-A947-70E740481C1C}">
+                <a14:useLocalDpi xmlns:a14="http://schemas.microsoft.com/office/drawing/2010/main" val="0"/>
+              </a:ext>
+            </a:extLst>
+          </a:blip>
+          <a:stretch>
+            <a:fillRect/>
+          </a:stretch>
+        </p:blipFill>
+        <p:spPr>
+          <a:xfrm>
+            <a:off x="4719757" y="1834939"/>
+            <a:ext cx="2742633" cy="2056976"/>
+          </a:xfrm>
+          <a:prstGeom prst="rect">
+            <a:avLst/>
+          </a:prstGeom>
+        </p:spPr>
+      </p:pic>
+      <p:pic>
+        <p:nvPicPr>
+          <p:cNvPr id="7" name="Picture 6" descr="Chart, treemap chart&#10;&#10;Description automatically generated with medium confidence">
+            <a:extLst>
+              <a:ext uri="{FF2B5EF4-FFF2-40B4-BE49-F238E27FC236}">
+                <a16:creationId xmlns:a16="http://schemas.microsoft.com/office/drawing/2014/main" id="{F5F92856-9FB8-40A3-920D-41271322A7F6}"/>
+              </a:ext>
+            </a:extLst>
+          </p:cNvPr>
+          <p:cNvPicPr>
+            <a:picLocks noChangeAspect="1"/>
+          </p:cNvPicPr>
+          <p:nvPr/>
+        </p:nvPicPr>
+        <p:blipFill>
+          <a:blip r:embed="rId4">
+            <a:extLst>
+              <a:ext uri="{28A0092B-C50C-407E-A947-70E740481C1C}">
+                <a14:useLocalDpi xmlns:a14="http://schemas.microsoft.com/office/drawing/2010/main" val="0"/>
+              </a:ext>
+            </a:extLst>
+          </a:blip>
+          <a:stretch>
+            <a:fillRect/>
+          </a:stretch>
+        </p:blipFill>
+        <p:spPr>
+          <a:xfrm>
+            <a:off x="8713114" y="1834939"/>
+            <a:ext cx="2742633" cy="2056976"/>
+          </a:xfrm>
+          <a:prstGeom prst="rect">
+            <a:avLst/>
+          </a:prstGeom>
+        </p:spPr>
+      </p:pic>
+      <p:pic>
+        <p:nvPicPr>
+          <p:cNvPr id="9" name="Picture 8" descr="Chart, treemap chart&#10;&#10;Description automatically generated">
+            <a:extLst>
+              <a:ext uri="{FF2B5EF4-FFF2-40B4-BE49-F238E27FC236}">
+                <a16:creationId xmlns:a16="http://schemas.microsoft.com/office/drawing/2014/main" id="{12BB4402-D717-43FA-B522-CA35907E5816}"/>
+              </a:ext>
+            </a:extLst>
+          </p:cNvPr>
+          <p:cNvPicPr>
+            <a:picLocks noChangeAspect="1"/>
+          </p:cNvPicPr>
+          <p:nvPr/>
+        </p:nvPicPr>
+        <p:blipFill>
+          <a:blip r:embed="rId5">
+            <a:extLst>
+              <a:ext uri="{28A0092B-C50C-407E-A947-70E740481C1C}">
+                <a14:useLocalDpi xmlns:a14="http://schemas.microsoft.com/office/drawing/2010/main" val="0"/>
+              </a:ext>
+            </a:extLst>
+          </a:blip>
+          <a:stretch>
+            <a:fillRect/>
+          </a:stretch>
+        </p:blipFill>
+        <p:spPr>
+          <a:xfrm>
+            <a:off x="723822" y="4063630"/>
+            <a:ext cx="2742633" cy="2056976"/>
+          </a:xfrm>
+          <a:prstGeom prst="rect">
+            <a:avLst/>
+          </a:prstGeom>
+        </p:spPr>
+      </p:pic>
+      <p:pic>
+        <p:nvPicPr>
+          <p:cNvPr id="15" name="Picture 14" descr="Chart&#10;&#10;Description automatically generated">
+            <a:extLst>
+              <a:ext uri="{FF2B5EF4-FFF2-40B4-BE49-F238E27FC236}">
+                <a16:creationId xmlns:a16="http://schemas.microsoft.com/office/drawing/2014/main" id="{21673102-BC8B-4A2A-A294-8AED7311FA40}"/>
+              </a:ext>
+            </a:extLst>
+          </p:cNvPr>
+          <p:cNvPicPr>
+            <a:picLocks noChangeAspect="1"/>
+          </p:cNvPicPr>
+          <p:nvPr/>
+        </p:nvPicPr>
+        <p:blipFill>
+          <a:blip r:embed="rId6">
+            <a:extLst>
+              <a:ext uri="{28A0092B-C50C-407E-A947-70E740481C1C}">
+                <a14:useLocalDpi xmlns:a14="http://schemas.microsoft.com/office/drawing/2010/main" val="0"/>
+              </a:ext>
+            </a:extLst>
+          </a:blip>
+          <a:stretch>
+            <a:fillRect/>
+          </a:stretch>
+        </p:blipFill>
+        <p:spPr>
+          <a:xfrm>
+            <a:off x="4719757" y="4063630"/>
+            <a:ext cx="2742633" cy="2056976"/>
+          </a:xfrm>
+          <a:prstGeom prst="rect">
+            <a:avLst/>
+          </a:prstGeom>
+        </p:spPr>
+      </p:pic>
+      <p:pic>
+        <p:nvPicPr>
+          <p:cNvPr id="13" name="Picture 12" descr="Diagram, radar chart&#10;&#10;Description automatically generated">
+            <a:extLst>
+              <a:ext uri="{FF2B5EF4-FFF2-40B4-BE49-F238E27FC236}">
+                <a16:creationId xmlns:a16="http://schemas.microsoft.com/office/drawing/2014/main" id="{6169277C-99C5-4009-AD06-371B4A5A08A5}"/>
+              </a:ext>
+            </a:extLst>
+          </p:cNvPr>
+          <p:cNvPicPr>
+            <a:picLocks noChangeAspect="1"/>
+          </p:cNvPicPr>
+          <p:nvPr/>
+        </p:nvPicPr>
+        <p:blipFill>
+          <a:blip r:embed="rId7">
+            <a:extLst>
+              <a:ext uri="{28A0092B-C50C-407E-A947-70E740481C1C}">
+                <a14:useLocalDpi xmlns:a14="http://schemas.microsoft.com/office/drawing/2010/main" val="0"/>
+              </a:ext>
+            </a:extLst>
+          </a:blip>
+          <a:stretch>
+            <a:fillRect/>
+          </a:stretch>
+        </p:blipFill>
+        <p:spPr>
+          <a:xfrm>
+            <a:off x="8713114" y="4063630"/>
+            <a:ext cx="2742633" cy="2056976"/>
+          </a:xfrm>
+          <a:prstGeom prst="rect">
+            <a:avLst/>
+          </a:prstGeom>
+        </p:spPr>
+      </p:pic>
     </p:spTree>
     <p:extLst>
       <p:ext uri="{BB962C8B-B14F-4D97-AF65-F5344CB8AC3E}">
         <p14:creationId xmlns:p14="http://schemas.microsoft.com/office/powerpoint/2010/main" val="198909495"/>
+      </p:ext>
+    </p:extLst>
+  </p:cSld>
+  <p:clrMapOvr>
+    <a:masterClrMapping/>
+  </p:clrMapOvr>
+</p:sld>
+</file>
+
+<file path=ppt/slides/slide7.xml><?xml version="1.0" encoding="utf-8"?>
+<p:sld xmlns:a="http://schemas.openxmlformats.org/drawingml/2006/main" xmlns:r="http://schemas.openxmlformats.org/officeDocument/2006/relationships" xmlns:p="http://schemas.openxmlformats.org/presentationml/2006/main">
+  <p:cSld>
+    <p:spTree>
+      <p:nvGrpSpPr>
+        <p:cNvPr id="1" name=""/>
+        <p:cNvGrpSpPr/>
+        <p:nvPr/>
+      </p:nvGrpSpPr>
+      <p:grpSpPr>
+        <a:xfrm>
+          <a:off x="0" y="0"/>
+          <a:ext cx="0" cy="0"/>
+          <a:chOff x="0" y="0"/>
+          <a:chExt cx="0" cy="0"/>
+        </a:xfrm>
+      </p:grpSpPr>
+      <p:sp>
+        <p:nvSpPr>
+          <p:cNvPr id="2" name="Title 1">
+            <a:extLst>
+              <a:ext uri="{FF2B5EF4-FFF2-40B4-BE49-F238E27FC236}">
+                <a16:creationId xmlns:a16="http://schemas.microsoft.com/office/drawing/2014/main" id="{393EDB16-5766-4106-92D4-FAC775498C7F}"/>
+              </a:ext>
+            </a:extLst>
+          </p:cNvPr>
+          <p:cNvSpPr>
+            <a:spLocks noGrp="1"/>
+          </p:cNvSpPr>
+          <p:nvPr>
+            <p:ph type="title"/>
+          </p:nvPr>
+        </p:nvSpPr>
+        <p:spPr/>
+        <p:txBody>
+          <a:bodyPr/>
+          <a:lstStyle/>
+          <a:p>
+            <a:r>
+              <a:rPr lang="en-CA" dirty="0"/>
+              <a:t>Total time spent</a:t>
+            </a:r>
+          </a:p>
+        </p:txBody>
+      </p:sp>
+      <p:sp>
+        <p:nvSpPr>
+          <p:cNvPr id="3" name="Content Placeholder 2">
+            <a:extLst>
+              <a:ext uri="{FF2B5EF4-FFF2-40B4-BE49-F238E27FC236}">
+                <a16:creationId xmlns:a16="http://schemas.microsoft.com/office/drawing/2014/main" id="{FCB12084-BFF7-4AD4-B7D4-2EE02C6FF732}"/>
+              </a:ext>
+            </a:extLst>
+          </p:cNvPr>
+          <p:cNvSpPr>
+            <a:spLocks noGrp="1"/>
+          </p:cNvSpPr>
+          <p:nvPr>
+            <p:ph idx="1"/>
+          </p:nvPr>
+        </p:nvSpPr>
+        <p:spPr>
+          <a:xfrm>
+            <a:off x="1027663" y="2132044"/>
+            <a:ext cx="1530626" cy="420618"/>
+          </a:xfrm>
+        </p:spPr>
+        <p:txBody>
+          <a:bodyPr>
+            <a:normAutofit fontScale="25000" lnSpcReduction="20000"/>
+          </a:bodyPr>
+          <a:lstStyle/>
+          <a:p>
+            <a:pPr marL="0" indent="0">
+              <a:buNone/>
+            </a:pPr>
+            <a:r>
+              <a:rPr lang="en-CA" sz="12800" dirty="0"/>
+              <a:t> Control	</a:t>
+            </a:r>
+            <a:r>
+              <a:rPr lang="en-CA" dirty="0"/>
+              <a:t>			</a:t>
+            </a:r>
+          </a:p>
+        </p:txBody>
+      </p:sp>
+      <p:pic>
+        <p:nvPicPr>
+          <p:cNvPr id="5" name="Picture 4" descr="Chart&#10;&#10;Description automatically generated">
+            <a:extLst>
+              <a:ext uri="{FF2B5EF4-FFF2-40B4-BE49-F238E27FC236}">
+                <a16:creationId xmlns:a16="http://schemas.microsoft.com/office/drawing/2014/main" id="{A26F4CB4-BCCB-4729-ADC2-9D5F1B1BB50F}"/>
+              </a:ext>
+            </a:extLst>
+          </p:cNvPr>
+          <p:cNvPicPr>
+            <a:picLocks noChangeAspect="1"/>
+          </p:cNvPicPr>
+          <p:nvPr/>
+        </p:nvPicPr>
+        <p:blipFill rotWithShape="1">
+          <a:blip r:embed="rId2">
+            <a:extLst>
+              <a:ext uri="{28A0092B-C50C-407E-A947-70E740481C1C}">
+                <a14:useLocalDpi xmlns:a14="http://schemas.microsoft.com/office/drawing/2010/main" val="0"/>
+              </a:ext>
+            </a:extLst>
+          </a:blip>
+          <a:srcRect l="6672" r="10321"/>
+          <a:stretch/>
+        </p:blipFill>
+        <p:spPr>
+          <a:xfrm>
+            <a:off x="-3" y="2610571"/>
+            <a:ext cx="3970618" cy="3587548"/>
+          </a:xfrm>
+          <a:prstGeom prst="rect">
+            <a:avLst/>
+          </a:prstGeom>
+        </p:spPr>
+      </p:pic>
+      <p:sp>
+        <p:nvSpPr>
+          <p:cNvPr id="11" name="Content Placeholder 2">
+            <a:extLst>
+              <a:ext uri="{FF2B5EF4-FFF2-40B4-BE49-F238E27FC236}">
+                <a16:creationId xmlns:a16="http://schemas.microsoft.com/office/drawing/2014/main" id="{A05BD54A-44DC-4253-B4EE-285830A41550}"/>
+              </a:ext>
+            </a:extLst>
+          </p:cNvPr>
+          <p:cNvSpPr txBox="1">
+            <a:spLocks/>
+          </p:cNvSpPr>
+          <p:nvPr/>
+        </p:nvSpPr>
+        <p:spPr>
+          <a:xfrm>
+            <a:off x="9881050" y="2074135"/>
+            <a:ext cx="747711" cy="420618"/>
+          </a:xfrm>
+          <a:prstGeom prst="rect">
+            <a:avLst/>
+          </a:prstGeom>
+        </p:spPr>
+        <p:txBody>
+          <a:bodyPr vert="horz" lIns="91440" tIns="45720" rIns="91440" bIns="45720" rtlCol="0">
+            <a:normAutofit fontScale="25000" lnSpcReduction="20000"/>
+          </a:bodyPr>
+          <a:lstStyle>
+            <a:lvl1pPr marL="228600" indent="-228600" algn="l" defTabSz="914400" rtl="0" eaLnBrk="1" latinLnBrk="0" hangingPunct="1">
+              <a:lnSpc>
+                <a:spcPct val="90000"/>
+              </a:lnSpc>
+              <a:spcBef>
+                <a:spcPts val="1000"/>
+              </a:spcBef>
+              <a:buFont typeface="Arial" panose="020B0604020202020204" pitchFamily="34" charset="0"/>
+              <a:buChar char="•"/>
+              <a:defRPr sz="2800" kern="1200">
+                <a:solidFill>
+                  <a:schemeClr val="tx1"/>
+                </a:solidFill>
+                <a:latin typeface="+mn-lt"/>
+                <a:ea typeface="+mn-ea"/>
+                <a:cs typeface="+mn-cs"/>
+              </a:defRPr>
+            </a:lvl1pPr>
+            <a:lvl2pPr marL="685800" indent="-228600" algn="l" defTabSz="914400" rtl="0" eaLnBrk="1" latinLnBrk="0" hangingPunct="1">
+              <a:lnSpc>
+                <a:spcPct val="90000"/>
+              </a:lnSpc>
+              <a:spcBef>
+                <a:spcPts val="500"/>
+              </a:spcBef>
+              <a:buFont typeface="Arial" panose="020B0604020202020204" pitchFamily="34" charset="0"/>
+              <a:buChar char="•"/>
+              <a:defRPr sz="2400" kern="1200">
+                <a:solidFill>
+                  <a:schemeClr val="tx1"/>
+                </a:solidFill>
+                <a:latin typeface="+mn-lt"/>
+                <a:ea typeface="+mn-ea"/>
+                <a:cs typeface="+mn-cs"/>
+              </a:defRPr>
+            </a:lvl2pPr>
+            <a:lvl3pPr marL="1143000" indent="-228600" algn="l" defTabSz="914400" rtl="0" eaLnBrk="1" latinLnBrk="0" hangingPunct="1">
+              <a:lnSpc>
+                <a:spcPct val="90000"/>
+              </a:lnSpc>
+              <a:spcBef>
+                <a:spcPts val="500"/>
+              </a:spcBef>
+              <a:buFont typeface="Arial" panose="020B0604020202020204" pitchFamily="34" charset="0"/>
+              <a:buChar char="•"/>
+              <a:defRPr sz="2000" kern="1200">
+                <a:solidFill>
+                  <a:schemeClr val="tx1"/>
+                </a:solidFill>
+                <a:latin typeface="+mn-lt"/>
+                <a:ea typeface="+mn-ea"/>
+                <a:cs typeface="+mn-cs"/>
+              </a:defRPr>
+            </a:lvl3pPr>
+            <a:lvl4pPr marL="1600200" indent="-228600" algn="l" defTabSz="914400" rtl="0" eaLnBrk="1" latinLnBrk="0" hangingPunct="1">
+              <a:lnSpc>
+                <a:spcPct val="90000"/>
+              </a:lnSpc>
+              <a:spcBef>
+                <a:spcPts val="500"/>
+              </a:spcBef>
+              <a:buFont typeface="Arial" panose="020B0604020202020204" pitchFamily="34" charset="0"/>
+              <a:buChar char="•"/>
+              <a:defRPr sz="1800" kern="1200">
+                <a:solidFill>
+                  <a:schemeClr val="tx1"/>
+                </a:solidFill>
+                <a:latin typeface="+mn-lt"/>
+                <a:ea typeface="+mn-ea"/>
+                <a:cs typeface="+mn-cs"/>
+              </a:defRPr>
+            </a:lvl4pPr>
+            <a:lvl5pPr marL="2057400" indent="-228600" algn="l" defTabSz="914400" rtl="0" eaLnBrk="1" latinLnBrk="0" hangingPunct="1">
+              <a:lnSpc>
+                <a:spcPct val="90000"/>
+              </a:lnSpc>
+              <a:spcBef>
+                <a:spcPts val="500"/>
+              </a:spcBef>
+              <a:buFont typeface="Arial" panose="020B0604020202020204" pitchFamily="34" charset="0"/>
+              <a:buChar char="•"/>
+              <a:defRPr sz="1800" kern="1200">
+                <a:solidFill>
+                  <a:schemeClr val="tx1"/>
+                </a:solidFill>
+                <a:latin typeface="+mn-lt"/>
+                <a:ea typeface="+mn-ea"/>
+                <a:cs typeface="+mn-cs"/>
+              </a:defRPr>
+            </a:lvl5pPr>
+            <a:lvl6pPr marL="2514600" indent="-228600" algn="l" defTabSz="914400" rtl="0" eaLnBrk="1" latinLnBrk="0" hangingPunct="1">
+              <a:lnSpc>
+                <a:spcPct val="90000"/>
+              </a:lnSpc>
+              <a:spcBef>
+                <a:spcPts val="500"/>
+              </a:spcBef>
+              <a:buFont typeface="Arial" panose="020B0604020202020204" pitchFamily="34" charset="0"/>
+              <a:buChar char="•"/>
+              <a:defRPr sz="1800" kern="1200">
+                <a:solidFill>
+                  <a:schemeClr val="tx1"/>
+                </a:solidFill>
+                <a:latin typeface="+mn-lt"/>
+                <a:ea typeface="+mn-ea"/>
+                <a:cs typeface="+mn-cs"/>
+              </a:defRPr>
+            </a:lvl6pPr>
+            <a:lvl7pPr marL="2971800" indent="-228600" algn="l" defTabSz="914400" rtl="0" eaLnBrk="1" latinLnBrk="0" hangingPunct="1">
+              <a:lnSpc>
+                <a:spcPct val="90000"/>
+              </a:lnSpc>
+              <a:spcBef>
+                <a:spcPts val="500"/>
+              </a:spcBef>
+              <a:buFont typeface="Arial" panose="020B0604020202020204" pitchFamily="34" charset="0"/>
+              <a:buChar char="•"/>
+              <a:defRPr sz="1800" kern="1200">
+                <a:solidFill>
+                  <a:schemeClr val="tx1"/>
+                </a:solidFill>
+                <a:latin typeface="+mn-lt"/>
+                <a:ea typeface="+mn-ea"/>
+                <a:cs typeface="+mn-cs"/>
+              </a:defRPr>
+            </a:lvl7pPr>
+            <a:lvl8pPr marL="3429000" indent="-228600" algn="l" defTabSz="914400" rtl="0" eaLnBrk="1" latinLnBrk="0" hangingPunct="1">
+              <a:lnSpc>
+                <a:spcPct val="90000"/>
+              </a:lnSpc>
+              <a:spcBef>
+                <a:spcPts val="500"/>
+              </a:spcBef>
+              <a:buFont typeface="Arial" panose="020B0604020202020204" pitchFamily="34" charset="0"/>
+              <a:buChar char="•"/>
+              <a:defRPr sz="1800" kern="1200">
+                <a:solidFill>
+                  <a:schemeClr val="tx1"/>
+                </a:solidFill>
+                <a:latin typeface="+mn-lt"/>
+                <a:ea typeface="+mn-ea"/>
+                <a:cs typeface="+mn-cs"/>
+              </a:defRPr>
+            </a:lvl8pPr>
+            <a:lvl9pPr marL="3886200" indent="-228600" algn="l" defTabSz="914400" rtl="0" eaLnBrk="1" latinLnBrk="0" hangingPunct="1">
+              <a:lnSpc>
+                <a:spcPct val="90000"/>
+              </a:lnSpc>
+              <a:spcBef>
+                <a:spcPts val="500"/>
+              </a:spcBef>
+              <a:buFont typeface="Arial" panose="020B0604020202020204" pitchFamily="34" charset="0"/>
+              <a:buChar char="•"/>
+              <a:defRPr sz="1800" kern="1200">
+                <a:solidFill>
+                  <a:schemeClr val="tx1"/>
+                </a:solidFill>
+                <a:latin typeface="+mn-lt"/>
+                <a:ea typeface="+mn-ea"/>
+                <a:cs typeface="+mn-cs"/>
+              </a:defRPr>
+            </a:lvl9pPr>
+          </a:lstStyle>
+          <a:p>
+            <a:pPr marL="0" indent="0">
+              <a:buFont typeface="Arial" panose="020B0604020202020204" pitchFamily="34" charset="0"/>
+              <a:buNone/>
+            </a:pPr>
+            <a:r>
+              <a:rPr lang="en-CA" sz="12800" dirty="0"/>
+              <a:t> EA	</a:t>
+            </a:r>
+            <a:r>
+              <a:rPr lang="en-CA" dirty="0"/>
+              <a:t>			</a:t>
+            </a:r>
+          </a:p>
+        </p:txBody>
+      </p:sp>
+      <p:sp>
+        <p:nvSpPr>
+          <p:cNvPr id="13" name="Content Placeholder 2">
+            <a:extLst>
+              <a:ext uri="{FF2B5EF4-FFF2-40B4-BE49-F238E27FC236}">
+                <a16:creationId xmlns:a16="http://schemas.microsoft.com/office/drawing/2014/main" id="{AAAF4D13-2FAE-438E-B638-8B8AE663BB28}"/>
+              </a:ext>
+            </a:extLst>
+          </p:cNvPr>
+          <p:cNvSpPr txBox="1">
+            <a:spLocks/>
+          </p:cNvSpPr>
+          <p:nvPr/>
+        </p:nvSpPr>
+        <p:spPr>
+          <a:xfrm>
+            <a:off x="5208104" y="2074135"/>
+            <a:ext cx="1775791" cy="420618"/>
+          </a:xfrm>
+          <a:prstGeom prst="rect">
+            <a:avLst/>
+          </a:prstGeom>
+        </p:spPr>
+        <p:txBody>
+          <a:bodyPr vert="horz" lIns="91440" tIns="45720" rIns="91440" bIns="45720" rtlCol="0">
+            <a:normAutofit fontScale="25000" lnSpcReduction="20000"/>
+          </a:bodyPr>
+          <a:lstStyle>
+            <a:lvl1pPr marL="228600" indent="-228600" algn="l" defTabSz="914400" rtl="0" eaLnBrk="1" latinLnBrk="0" hangingPunct="1">
+              <a:lnSpc>
+                <a:spcPct val="90000"/>
+              </a:lnSpc>
+              <a:spcBef>
+                <a:spcPts val="1000"/>
+              </a:spcBef>
+              <a:buFont typeface="Arial" panose="020B0604020202020204" pitchFamily="34" charset="0"/>
+              <a:buChar char="•"/>
+              <a:defRPr sz="2800" kern="1200">
+                <a:solidFill>
+                  <a:schemeClr val="tx1"/>
+                </a:solidFill>
+                <a:latin typeface="+mn-lt"/>
+                <a:ea typeface="+mn-ea"/>
+                <a:cs typeface="+mn-cs"/>
+              </a:defRPr>
+            </a:lvl1pPr>
+            <a:lvl2pPr marL="685800" indent="-228600" algn="l" defTabSz="914400" rtl="0" eaLnBrk="1" latinLnBrk="0" hangingPunct="1">
+              <a:lnSpc>
+                <a:spcPct val="90000"/>
+              </a:lnSpc>
+              <a:spcBef>
+                <a:spcPts val="500"/>
+              </a:spcBef>
+              <a:buFont typeface="Arial" panose="020B0604020202020204" pitchFamily="34" charset="0"/>
+              <a:buChar char="•"/>
+              <a:defRPr sz="2400" kern="1200">
+                <a:solidFill>
+                  <a:schemeClr val="tx1"/>
+                </a:solidFill>
+                <a:latin typeface="+mn-lt"/>
+                <a:ea typeface="+mn-ea"/>
+                <a:cs typeface="+mn-cs"/>
+              </a:defRPr>
+            </a:lvl2pPr>
+            <a:lvl3pPr marL="1143000" indent="-228600" algn="l" defTabSz="914400" rtl="0" eaLnBrk="1" latinLnBrk="0" hangingPunct="1">
+              <a:lnSpc>
+                <a:spcPct val="90000"/>
+              </a:lnSpc>
+              <a:spcBef>
+                <a:spcPts val="500"/>
+              </a:spcBef>
+              <a:buFont typeface="Arial" panose="020B0604020202020204" pitchFamily="34" charset="0"/>
+              <a:buChar char="•"/>
+              <a:defRPr sz="2000" kern="1200">
+                <a:solidFill>
+                  <a:schemeClr val="tx1"/>
+                </a:solidFill>
+                <a:latin typeface="+mn-lt"/>
+                <a:ea typeface="+mn-ea"/>
+                <a:cs typeface="+mn-cs"/>
+              </a:defRPr>
+            </a:lvl3pPr>
+            <a:lvl4pPr marL="1600200" indent="-228600" algn="l" defTabSz="914400" rtl="0" eaLnBrk="1" latinLnBrk="0" hangingPunct="1">
+              <a:lnSpc>
+                <a:spcPct val="90000"/>
+              </a:lnSpc>
+              <a:spcBef>
+                <a:spcPts val="500"/>
+              </a:spcBef>
+              <a:buFont typeface="Arial" panose="020B0604020202020204" pitchFamily="34" charset="0"/>
+              <a:buChar char="•"/>
+              <a:defRPr sz="1800" kern="1200">
+                <a:solidFill>
+                  <a:schemeClr val="tx1"/>
+                </a:solidFill>
+                <a:latin typeface="+mn-lt"/>
+                <a:ea typeface="+mn-ea"/>
+                <a:cs typeface="+mn-cs"/>
+              </a:defRPr>
+            </a:lvl4pPr>
+            <a:lvl5pPr marL="2057400" indent="-228600" algn="l" defTabSz="914400" rtl="0" eaLnBrk="1" latinLnBrk="0" hangingPunct="1">
+              <a:lnSpc>
+                <a:spcPct val="90000"/>
+              </a:lnSpc>
+              <a:spcBef>
+                <a:spcPts val="500"/>
+              </a:spcBef>
+              <a:buFont typeface="Arial" panose="020B0604020202020204" pitchFamily="34" charset="0"/>
+              <a:buChar char="•"/>
+              <a:defRPr sz="1800" kern="1200">
+                <a:solidFill>
+                  <a:schemeClr val="tx1"/>
+                </a:solidFill>
+                <a:latin typeface="+mn-lt"/>
+                <a:ea typeface="+mn-ea"/>
+                <a:cs typeface="+mn-cs"/>
+              </a:defRPr>
+            </a:lvl5pPr>
+            <a:lvl6pPr marL="2514600" indent="-228600" algn="l" defTabSz="914400" rtl="0" eaLnBrk="1" latinLnBrk="0" hangingPunct="1">
+              <a:lnSpc>
+                <a:spcPct val="90000"/>
+              </a:lnSpc>
+              <a:spcBef>
+                <a:spcPts val="500"/>
+              </a:spcBef>
+              <a:buFont typeface="Arial" panose="020B0604020202020204" pitchFamily="34" charset="0"/>
+              <a:buChar char="•"/>
+              <a:defRPr sz="1800" kern="1200">
+                <a:solidFill>
+                  <a:schemeClr val="tx1"/>
+                </a:solidFill>
+                <a:latin typeface="+mn-lt"/>
+                <a:ea typeface="+mn-ea"/>
+                <a:cs typeface="+mn-cs"/>
+              </a:defRPr>
+            </a:lvl6pPr>
+            <a:lvl7pPr marL="2971800" indent="-228600" algn="l" defTabSz="914400" rtl="0" eaLnBrk="1" latinLnBrk="0" hangingPunct="1">
+              <a:lnSpc>
+                <a:spcPct val="90000"/>
+              </a:lnSpc>
+              <a:spcBef>
+                <a:spcPts val="500"/>
+              </a:spcBef>
+              <a:buFont typeface="Arial" panose="020B0604020202020204" pitchFamily="34" charset="0"/>
+              <a:buChar char="•"/>
+              <a:defRPr sz="1800" kern="1200">
+                <a:solidFill>
+                  <a:schemeClr val="tx1"/>
+                </a:solidFill>
+                <a:latin typeface="+mn-lt"/>
+                <a:ea typeface="+mn-ea"/>
+                <a:cs typeface="+mn-cs"/>
+              </a:defRPr>
+            </a:lvl7pPr>
+            <a:lvl8pPr marL="3429000" indent="-228600" algn="l" defTabSz="914400" rtl="0" eaLnBrk="1" latinLnBrk="0" hangingPunct="1">
+              <a:lnSpc>
+                <a:spcPct val="90000"/>
+              </a:lnSpc>
+              <a:spcBef>
+                <a:spcPts val="500"/>
+              </a:spcBef>
+              <a:buFont typeface="Arial" panose="020B0604020202020204" pitchFamily="34" charset="0"/>
+              <a:buChar char="•"/>
+              <a:defRPr sz="1800" kern="1200">
+                <a:solidFill>
+                  <a:schemeClr val="tx1"/>
+                </a:solidFill>
+                <a:latin typeface="+mn-lt"/>
+                <a:ea typeface="+mn-ea"/>
+                <a:cs typeface="+mn-cs"/>
+              </a:defRPr>
+            </a:lvl8pPr>
+            <a:lvl9pPr marL="3886200" indent="-228600" algn="l" defTabSz="914400" rtl="0" eaLnBrk="1" latinLnBrk="0" hangingPunct="1">
+              <a:lnSpc>
+                <a:spcPct val="90000"/>
+              </a:lnSpc>
+              <a:spcBef>
+                <a:spcPts val="500"/>
+              </a:spcBef>
+              <a:buFont typeface="Arial" panose="020B0604020202020204" pitchFamily="34" charset="0"/>
+              <a:buChar char="•"/>
+              <a:defRPr sz="1800" kern="1200">
+                <a:solidFill>
+                  <a:schemeClr val="tx1"/>
+                </a:solidFill>
+                <a:latin typeface="+mn-lt"/>
+                <a:ea typeface="+mn-ea"/>
+                <a:cs typeface="+mn-cs"/>
+              </a:defRPr>
+            </a:lvl9pPr>
+          </a:lstStyle>
+          <a:p>
+            <a:pPr marL="0" indent="0">
+              <a:buFont typeface="Arial" panose="020B0604020202020204" pitchFamily="34" charset="0"/>
+              <a:buNone/>
+            </a:pPr>
+            <a:r>
+              <a:rPr lang="en-CA" sz="12800" dirty="0"/>
+              <a:t> High GA	</a:t>
+            </a:r>
+            <a:r>
+              <a:rPr lang="en-CA" dirty="0"/>
+              <a:t>			</a:t>
+            </a:r>
+          </a:p>
+        </p:txBody>
+      </p:sp>
+      <p:pic>
+        <p:nvPicPr>
+          <p:cNvPr id="15" name="Picture 14" descr="Chart, treemap chart&#10;&#10;Description automatically generated">
+            <a:extLst>
+              <a:ext uri="{FF2B5EF4-FFF2-40B4-BE49-F238E27FC236}">
+                <a16:creationId xmlns:a16="http://schemas.microsoft.com/office/drawing/2014/main" id="{4AD7C68A-3541-4D87-9DF7-16ABAD79642A}"/>
+              </a:ext>
+            </a:extLst>
+          </p:cNvPr>
+          <p:cNvPicPr>
+            <a:picLocks noChangeAspect="1"/>
+          </p:cNvPicPr>
+          <p:nvPr/>
+        </p:nvPicPr>
+        <p:blipFill rotWithShape="1">
+          <a:blip r:embed="rId3">
+            <a:extLst>
+              <a:ext uri="{28A0092B-C50C-407E-A947-70E740481C1C}">
+                <a14:useLocalDpi xmlns:a14="http://schemas.microsoft.com/office/drawing/2010/main" val="0"/>
+              </a:ext>
+            </a:extLst>
+          </a:blip>
+          <a:srcRect l="4609" r="10139"/>
+          <a:stretch/>
+        </p:blipFill>
+        <p:spPr>
+          <a:xfrm>
+            <a:off x="8082337" y="2582693"/>
+            <a:ext cx="4109663" cy="3615426"/>
+          </a:xfrm>
+          <a:prstGeom prst="rect">
+            <a:avLst/>
+          </a:prstGeom>
+        </p:spPr>
+      </p:pic>
+      <p:pic>
+        <p:nvPicPr>
+          <p:cNvPr id="17" name="Picture 16" descr="Chart, treemap chart&#10;&#10;Description automatically generated">
+            <a:extLst>
+              <a:ext uri="{FF2B5EF4-FFF2-40B4-BE49-F238E27FC236}">
+                <a16:creationId xmlns:a16="http://schemas.microsoft.com/office/drawing/2014/main" id="{8139935A-7E81-4D7A-8E48-CBE12EA064F1}"/>
+              </a:ext>
+            </a:extLst>
+          </p:cNvPr>
+          <p:cNvPicPr>
+            <a:picLocks noChangeAspect="1"/>
+          </p:cNvPicPr>
+          <p:nvPr/>
+        </p:nvPicPr>
+        <p:blipFill rotWithShape="1">
+          <a:blip r:embed="rId4">
+            <a:extLst>
+              <a:ext uri="{28A0092B-C50C-407E-A947-70E740481C1C}">
+                <a14:useLocalDpi xmlns:a14="http://schemas.microsoft.com/office/drawing/2010/main" val="0"/>
+              </a:ext>
+            </a:extLst>
+          </a:blip>
+          <a:srcRect l="4334" r="10414"/>
+          <a:stretch/>
+        </p:blipFill>
+        <p:spPr>
+          <a:xfrm>
+            <a:off x="4041167" y="2610571"/>
+            <a:ext cx="4109663" cy="3587548"/>
+          </a:xfrm>
+          <a:prstGeom prst="rect">
+            <a:avLst/>
+          </a:prstGeom>
+        </p:spPr>
+      </p:pic>
+    </p:spTree>
+    <p:extLst>
+      <p:ext uri="{BB962C8B-B14F-4D97-AF65-F5344CB8AC3E}">
+        <p14:creationId xmlns:p14="http://schemas.microsoft.com/office/powerpoint/2010/main" val="3248954250"/>
+      </p:ext>
+    </p:extLst>
+  </p:cSld>
+  <p:clrMapOvr>
+    <a:masterClrMapping/>
+  </p:clrMapOvr>
+</p:sld>
+</file>
+
+<file path=ppt/slides/slide8.xml><?xml version="1.0" encoding="utf-8"?>
+<p:sld xmlns:a="http://schemas.openxmlformats.org/drawingml/2006/main" xmlns:r="http://schemas.openxmlformats.org/officeDocument/2006/relationships" xmlns:p="http://schemas.openxmlformats.org/presentationml/2006/main">
+  <p:cSld>
+    <p:spTree>
+      <p:nvGrpSpPr>
+        <p:cNvPr id="1" name=""/>
+        <p:cNvGrpSpPr/>
+        <p:nvPr/>
+      </p:nvGrpSpPr>
+      <p:grpSpPr>
+        <a:xfrm>
+          <a:off x="0" y="0"/>
+          <a:ext cx="0" cy="0"/>
+          <a:chOff x="0" y="0"/>
+          <a:chExt cx="0" cy="0"/>
+        </a:xfrm>
+      </p:grpSpPr>
+      <p:sp>
+        <p:nvSpPr>
+          <p:cNvPr id="2" name="Title 1">
+            <a:extLst>
+              <a:ext uri="{FF2B5EF4-FFF2-40B4-BE49-F238E27FC236}">
+                <a16:creationId xmlns:a16="http://schemas.microsoft.com/office/drawing/2014/main" id="{393EDB16-5766-4106-92D4-FAC775498C7F}"/>
+              </a:ext>
+            </a:extLst>
+          </p:cNvPr>
+          <p:cNvSpPr>
+            <a:spLocks noGrp="1"/>
+          </p:cNvSpPr>
+          <p:nvPr>
+            <p:ph type="title"/>
+          </p:nvPr>
+        </p:nvSpPr>
+        <p:spPr/>
+        <p:txBody>
+          <a:bodyPr/>
+          <a:lstStyle/>
+          <a:p>
+            <a:r>
+              <a:rPr lang="en-CA" dirty="0"/>
+              <a:t>Time spent Turning</a:t>
+            </a:r>
+          </a:p>
+        </p:txBody>
+      </p:sp>
+      <p:sp>
+        <p:nvSpPr>
+          <p:cNvPr id="3" name="Content Placeholder 2">
+            <a:extLst>
+              <a:ext uri="{FF2B5EF4-FFF2-40B4-BE49-F238E27FC236}">
+                <a16:creationId xmlns:a16="http://schemas.microsoft.com/office/drawing/2014/main" id="{FCB12084-BFF7-4AD4-B7D4-2EE02C6FF732}"/>
+              </a:ext>
+            </a:extLst>
+          </p:cNvPr>
+          <p:cNvSpPr>
+            <a:spLocks noGrp="1"/>
+          </p:cNvSpPr>
+          <p:nvPr>
+            <p:ph idx="1"/>
+          </p:nvPr>
+        </p:nvSpPr>
+        <p:spPr>
+          <a:xfrm>
+            <a:off x="1027663" y="2132044"/>
+            <a:ext cx="1530626" cy="420618"/>
+          </a:xfrm>
+        </p:spPr>
+        <p:txBody>
+          <a:bodyPr>
+            <a:normAutofit fontScale="25000" lnSpcReduction="20000"/>
+          </a:bodyPr>
+          <a:lstStyle/>
+          <a:p>
+            <a:pPr marL="0" indent="0">
+              <a:buNone/>
+            </a:pPr>
+            <a:r>
+              <a:rPr lang="en-CA" sz="12800" dirty="0"/>
+              <a:t> Control	</a:t>
+            </a:r>
+            <a:r>
+              <a:rPr lang="en-CA" dirty="0"/>
+              <a:t>			</a:t>
+            </a:r>
+          </a:p>
+        </p:txBody>
+      </p:sp>
+      <p:sp>
+        <p:nvSpPr>
+          <p:cNvPr id="11" name="Content Placeholder 2">
+            <a:extLst>
+              <a:ext uri="{FF2B5EF4-FFF2-40B4-BE49-F238E27FC236}">
+                <a16:creationId xmlns:a16="http://schemas.microsoft.com/office/drawing/2014/main" id="{A05BD54A-44DC-4253-B4EE-285830A41550}"/>
+              </a:ext>
+            </a:extLst>
+          </p:cNvPr>
+          <p:cNvSpPr txBox="1">
+            <a:spLocks/>
+          </p:cNvSpPr>
+          <p:nvPr/>
+        </p:nvSpPr>
+        <p:spPr>
+          <a:xfrm>
+            <a:off x="9881050" y="2074135"/>
+            <a:ext cx="747711" cy="420618"/>
+          </a:xfrm>
+          <a:prstGeom prst="rect">
+            <a:avLst/>
+          </a:prstGeom>
+        </p:spPr>
+        <p:txBody>
+          <a:bodyPr vert="horz" lIns="91440" tIns="45720" rIns="91440" bIns="45720" rtlCol="0">
+            <a:normAutofit fontScale="25000" lnSpcReduction="20000"/>
+          </a:bodyPr>
+          <a:lstStyle>
+            <a:lvl1pPr marL="228600" indent="-228600" algn="l" defTabSz="914400" rtl="0" eaLnBrk="1" latinLnBrk="0" hangingPunct="1">
+              <a:lnSpc>
+                <a:spcPct val="90000"/>
+              </a:lnSpc>
+              <a:spcBef>
+                <a:spcPts val="1000"/>
+              </a:spcBef>
+              <a:buFont typeface="Arial" panose="020B0604020202020204" pitchFamily="34" charset="0"/>
+              <a:buChar char="•"/>
+              <a:defRPr sz="2800" kern="1200">
+                <a:solidFill>
+                  <a:schemeClr val="tx1"/>
+                </a:solidFill>
+                <a:latin typeface="+mn-lt"/>
+                <a:ea typeface="+mn-ea"/>
+                <a:cs typeface="+mn-cs"/>
+              </a:defRPr>
+            </a:lvl1pPr>
+            <a:lvl2pPr marL="685800" indent="-228600" algn="l" defTabSz="914400" rtl="0" eaLnBrk="1" latinLnBrk="0" hangingPunct="1">
+              <a:lnSpc>
+                <a:spcPct val="90000"/>
+              </a:lnSpc>
+              <a:spcBef>
+                <a:spcPts val="500"/>
+              </a:spcBef>
+              <a:buFont typeface="Arial" panose="020B0604020202020204" pitchFamily="34" charset="0"/>
+              <a:buChar char="•"/>
+              <a:defRPr sz="2400" kern="1200">
+                <a:solidFill>
+                  <a:schemeClr val="tx1"/>
+                </a:solidFill>
+                <a:latin typeface="+mn-lt"/>
+                <a:ea typeface="+mn-ea"/>
+                <a:cs typeface="+mn-cs"/>
+              </a:defRPr>
+            </a:lvl2pPr>
+            <a:lvl3pPr marL="1143000" indent="-228600" algn="l" defTabSz="914400" rtl="0" eaLnBrk="1" latinLnBrk="0" hangingPunct="1">
+              <a:lnSpc>
+                <a:spcPct val="90000"/>
+              </a:lnSpc>
+              <a:spcBef>
+                <a:spcPts val="500"/>
+              </a:spcBef>
+              <a:buFont typeface="Arial" panose="020B0604020202020204" pitchFamily="34" charset="0"/>
+              <a:buChar char="•"/>
+              <a:defRPr sz="2000" kern="1200">
+                <a:solidFill>
+                  <a:schemeClr val="tx1"/>
+                </a:solidFill>
+                <a:latin typeface="+mn-lt"/>
+                <a:ea typeface="+mn-ea"/>
+                <a:cs typeface="+mn-cs"/>
+              </a:defRPr>
+            </a:lvl3pPr>
+            <a:lvl4pPr marL="1600200" indent="-228600" algn="l" defTabSz="914400" rtl="0" eaLnBrk="1" latinLnBrk="0" hangingPunct="1">
+              <a:lnSpc>
+                <a:spcPct val="90000"/>
+              </a:lnSpc>
+              <a:spcBef>
+                <a:spcPts val="500"/>
+              </a:spcBef>
+              <a:buFont typeface="Arial" panose="020B0604020202020204" pitchFamily="34" charset="0"/>
+              <a:buChar char="•"/>
+              <a:defRPr sz="1800" kern="1200">
+                <a:solidFill>
+                  <a:schemeClr val="tx1"/>
+                </a:solidFill>
+                <a:latin typeface="+mn-lt"/>
+                <a:ea typeface="+mn-ea"/>
+                <a:cs typeface="+mn-cs"/>
+              </a:defRPr>
+            </a:lvl4pPr>
+            <a:lvl5pPr marL="2057400" indent="-228600" algn="l" defTabSz="914400" rtl="0" eaLnBrk="1" latinLnBrk="0" hangingPunct="1">
+              <a:lnSpc>
+                <a:spcPct val="90000"/>
+              </a:lnSpc>
+              <a:spcBef>
+                <a:spcPts val="500"/>
+              </a:spcBef>
+              <a:buFont typeface="Arial" panose="020B0604020202020204" pitchFamily="34" charset="0"/>
+              <a:buChar char="•"/>
+              <a:defRPr sz="1800" kern="1200">
+                <a:solidFill>
+                  <a:schemeClr val="tx1"/>
+                </a:solidFill>
+                <a:latin typeface="+mn-lt"/>
+                <a:ea typeface="+mn-ea"/>
+                <a:cs typeface="+mn-cs"/>
+              </a:defRPr>
+            </a:lvl5pPr>
+            <a:lvl6pPr marL="2514600" indent="-228600" algn="l" defTabSz="914400" rtl="0" eaLnBrk="1" latinLnBrk="0" hangingPunct="1">
+              <a:lnSpc>
+                <a:spcPct val="90000"/>
+              </a:lnSpc>
+              <a:spcBef>
+                <a:spcPts val="500"/>
+              </a:spcBef>
+              <a:buFont typeface="Arial" panose="020B0604020202020204" pitchFamily="34" charset="0"/>
+              <a:buChar char="•"/>
+              <a:defRPr sz="1800" kern="1200">
+                <a:solidFill>
+                  <a:schemeClr val="tx1"/>
+                </a:solidFill>
+                <a:latin typeface="+mn-lt"/>
+                <a:ea typeface="+mn-ea"/>
+                <a:cs typeface="+mn-cs"/>
+              </a:defRPr>
+            </a:lvl6pPr>
+            <a:lvl7pPr marL="2971800" indent="-228600" algn="l" defTabSz="914400" rtl="0" eaLnBrk="1" latinLnBrk="0" hangingPunct="1">
+              <a:lnSpc>
+                <a:spcPct val="90000"/>
+              </a:lnSpc>
+              <a:spcBef>
+                <a:spcPts val="500"/>
+              </a:spcBef>
+              <a:buFont typeface="Arial" panose="020B0604020202020204" pitchFamily="34" charset="0"/>
+              <a:buChar char="•"/>
+              <a:defRPr sz="1800" kern="1200">
+                <a:solidFill>
+                  <a:schemeClr val="tx1"/>
+                </a:solidFill>
+                <a:latin typeface="+mn-lt"/>
+                <a:ea typeface="+mn-ea"/>
+                <a:cs typeface="+mn-cs"/>
+              </a:defRPr>
+            </a:lvl7pPr>
+            <a:lvl8pPr marL="3429000" indent="-228600" algn="l" defTabSz="914400" rtl="0" eaLnBrk="1" latinLnBrk="0" hangingPunct="1">
+              <a:lnSpc>
+                <a:spcPct val="90000"/>
+              </a:lnSpc>
+              <a:spcBef>
+                <a:spcPts val="500"/>
+              </a:spcBef>
+              <a:buFont typeface="Arial" panose="020B0604020202020204" pitchFamily="34" charset="0"/>
+              <a:buChar char="•"/>
+              <a:defRPr sz="1800" kern="1200">
+                <a:solidFill>
+                  <a:schemeClr val="tx1"/>
+                </a:solidFill>
+                <a:latin typeface="+mn-lt"/>
+                <a:ea typeface="+mn-ea"/>
+                <a:cs typeface="+mn-cs"/>
+              </a:defRPr>
+            </a:lvl8pPr>
+            <a:lvl9pPr marL="3886200" indent="-228600" algn="l" defTabSz="914400" rtl="0" eaLnBrk="1" latinLnBrk="0" hangingPunct="1">
+              <a:lnSpc>
+                <a:spcPct val="90000"/>
+              </a:lnSpc>
+              <a:spcBef>
+                <a:spcPts val="500"/>
+              </a:spcBef>
+              <a:buFont typeface="Arial" panose="020B0604020202020204" pitchFamily="34" charset="0"/>
+              <a:buChar char="•"/>
+              <a:defRPr sz="1800" kern="1200">
+                <a:solidFill>
+                  <a:schemeClr val="tx1"/>
+                </a:solidFill>
+                <a:latin typeface="+mn-lt"/>
+                <a:ea typeface="+mn-ea"/>
+                <a:cs typeface="+mn-cs"/>
+              </a:defRPr>
+            </a:lvl9pPr>
+          </a:lstStyle>
+          <a:p>
+            <a:pPr marL="0" indent="0">
+              <a:buFont typeface="Arial" panose="020B0604020202020204" pitchFamily="34" charset="0"/>
+              <a:buNone/>
+            </a:pPr>
+            <a:r>
+              <a:rPr lang="en-CA" sz="12800" dirty="0"/>
+              <a:t> EA	</a:t>
+            </a:r>
+            <a:r>
+              <a:rPr lang="en-CA" dirty="0"/>
+              <a:t>			</a:t>
+            </a:r>
+          </a:p>
+        </p:txBody>
+      </p:sp>
+      <p:sp>
+        <p:nvSpPr>
+          <p:cNvPr id="13" name="Content Placeholder 2">
+            <a:extLst>
+              <a:ext uri="{FF2B5EF4-FFF2-40B4-BE49-F238E27FC236}">
+                <a16:creationId xmlns:a16="http://schemas.microsoft.com/office/drawing/2014/main" id="{AAAF4D13-2FAE-438E-B638-8B8AE663BB28}"/>
+              </a:ext>
+            </a:extLst>
+          </p:cNvPr>
+          <p:cNvSpPr txBox="1">
+            <a:spLocks/>
+          </p:cNvSpPr>
+          <p:nvPr/>
+        </p:nvSpPr>
+        <p:spPr>
+          <a:xfrm>
+            <a:off x="5208104" y="2074135"/>
+            <a:ext cx="1775791" cy="420618"/>
+          </a:xfrm>
+          <a:prstGeom prst="rect">
+            <a:avLst/>
+          </a:prstGeom>
+        </p:spPr>
+        <p:txBody>
+          <a:bodyPr vert="horz" lIns="91440" tIns="45720" rIns="91440" bIns="45720" rtlCol="0">
+            <a:normAutofit fontScale="25000" lnSpcReduction="20000"/>
+          </a:bodyPr>
+          <a:lstStyle>
+            <a:lvl1pPr marL="228600" indent="-228600" algn="l" defTabSz="914400" rtl="0" eaLnBrk="1" latinLnBrk="0" hangingPunct="1">
+              <a:lnSpc>
+                <a:spcPct val="90000"/>
+              </a:lnSpc>
+              <a:spcBef>
+                <a:spcPts val="1000"/>
+              </a:spcBef>
+              <a:buFont typeface="Arial" panose="020B0604020202020204" pitchFamily="34" charset="0"/>
+              <a:buChar char="•"/>
+              <a:defRPr sz="2800" kern="1200">
+                <a:solidFill>
+                  <a:schemeClr val="tx1"/>
+                </a:solidFill>
+                <a:latin typeface="+mn-lt"/>
+                <a:ea typeface="+mn-ea"/>
+                <a:cs typeface="+mn-cs"/>
+              </a:defRPr>
+            </a:lvl1pPr>
+            <a:lvl2pPr marL="685800" indent="-228600" algn="l" defTabSz="914400" rtl="0" eaLnBrk="1" latinLnBrk="0" hangingPunct="1">
+              <a:lnSpc>
+                <a:spcPct val="90000"/>
+              </a:lnSpc>
+              <a:spcBef>
+                <a:spcPts val="500"/>
+              </a:spcBef>
+              <a:buFont typeface="Arial" panose="020B0604020202020204" pitchFamily="34" charset="0"/>
+              <a:buChar char="•"/>
+              <a:defRPr sz="2400" kern="1200">
+                <a:solidFill>
+                  <a:schemeClr val="tx1"/>
+                </a:solidFill>
+                <a:latin typeface="+mn-lt"/>
+                <a:ea typeface="+mn-ea"/>
+                <a:cs typeface="+mn-cs"/>
+              </a:defRPr>
+            </a:lvl2pPr>
+            <a:lvl3pPr marL="1143000" indent="-228600" algn="l" defTabSz="914400" rtl="0" eaLnBrk="1" latinLnBrk="0" hangingPunct="1">
+              <a:lnSpc>
+                <a:spcPct val="90000"/>
+              </a:lnSpc>
+              <a:spcBef>
+                <a:spcPts val="500"/>
+              </a:spcBef>
+              <a:buFont typeface="Arial" panose="020B0604020202020204" pitchFamily="34" charset="0"/>
+              <a:buChar char="•"/>
+              <a:defRPr sz="2000" kern="1200">
+                <a:solidFill>
+                  <a:schemeClr val="tx1"/>
+                </a:solidFill>
+                <a:latin typeface="+mn-lt"/>
+                <a:ea typeface="+mn-ea"/>
+                <a:cs typeface="+mn-cs"/>
+              </a:defRPr>
+            </a:lvl3pPr>
+            <a:lvl4pPr marL="1600200" indent="-228600" algn="l" defTabSz="914400" rtl="0" eaLnBrk="1" latinLnBrk="0" hangingPunct="1">
+              <a:lnSpc>
+                <a:spcPct val="90000"/>
+              </a:lnSpc>
+              <a:spcBef>
+                <a:spcPts val="500"/>
+              </a:spcBef>
+              <a:buFont typeface="Arial" panose="020B0604020202020204" pitchFamily="34" charset="0"/>
+              <a:buChar char="•"/>
+              <a:defRPr sz="1800" kern="1200">
+                <a:solidFill>
+                  <a:schemeClr val="tx1"/>
+                </a:solidFill>
+                <a:latin typeface="+mn-lt"/>
+                <a:ea typeface="+mn-ea"/>
+                <a:cs typeface="+mn-cs"/>
+              </a:defRPr>
+            </a:lvl4pPr>
+            <a:lvl5pPr marL="2057400" indent="-228600" algn="l" defTabSz="914400" rtl="0" eaLnBrk="1" latinLnBrk="0" hangingPunct="1">
+              <a:lnSpc>
+                <a:spcPct val="90000"/>
+              </a:lnSpc>
+              <a:spcBef>
+                <a:spcPts val="500"/>
+              </a:spcBef>
+              <a:buFont typeface="Arial" panose="020B0604020202020204" pitchFamily="34" charset="0"/>
+              <a:buChar char="•"/>
+              <a:defRPr sz="1800" kern="1200">
+                <a:solidFill>
+                  <a:schemeClr val="tx1"/>
+                </a:solidFill>
+                <a:latin typeface="+mn-lt"/>
+                <a:ea typeface="+mn-ea"/>
+                <a:cs typeface="+mn-cs"/>
+              </a:defRPr>
+            </a:lvl5pPr>
+            <a:lvl6pPr marL="2514600" indent="-228600" algn="l" defTabSz="914400" rtl="0" eaLnBrk="1" latinLnBrk="0" hangingPunct="1">
+              <a:lnSpc>
+                <a:spcPct val="90000"/>
+              </a:lnSpc>
+              <a:spcBef>
+                <a:spcPts val="500"/>
+              </a:spcBef>
+              <a:buFont typeface="Arial" panose="020B0604020202020204" pitchFamily="34" charset="0"/>
+              <a:buChar char="•"/>
+              <a:defRPr sz="1800" kern="1200">
+                <a:solidFill>
+                  <a:schemeClr val="tx1"/>
+                </a:solidFill>
+                <a:latin typeface="+mn-lt"/>
+                <a:ea typeface="+mn-ea"/>
+                <a:cs typeface="+mn-cs"/>
+              </a:defRPr>
+            </a:lvl6pPr>
+            <a:lvl7pPr marL="2971800" indent="-228600" algn="l" defTabSz="914400" rtl="0" eaLnBrk="1" latinLnBrk="0" hangingPunct="1">
+              <a:lnSpc>
+                <a:spcPct val="90000"/>
+              </a:lnSpc>
+              <a:spcBef>
+                <a:spcPts val="500"/>
+              </a:spcBef>
+              <a:buFont typeface="Arial" panose="020B0604020202020204" pitchFamily="34" charset="0"/>
+              <a:buChar char="•"/>
+              <a:defRPr sz="1800" kern="1200">
+                <a:solidFill>
+                  <a:schemeClr val="tx1"/>
+                </a:solidFill>
+                <a:latin typeface="+mn-lt"/>
+                <a:ea typeface="+mn-ea"/>
+                <a:cs typeface="+mn-cs"/>
+              </a:defRPr>
+            </a:lvl7pPr>
+            <a:lvl8pPr marL="3429000" indent="-228600" algn="l" defTabSz="914400" rtl="0" eaLnBrk="1" latinLnBrk="0" hangingPunct="1">
+              <a:lnSpc>
+                <a:spcPct val="90000"/>
+              </a:lnSpc>
+              <a:spcBef>
+                <a:spcPts val="500"/>
+              </a:spcBef>
+              <a:buFont typeface="Arial" panose="020B0604020202020204" pitchFamily="34" charset="0"/>
+              <a:buChar char="•"/>
+              <a:defRPr sz="1800" kern="1200">
+                <a:solidFill>
+                  <a:schemeClr val="tx1"/>
+                </a:solidFill>
+                <a:latin typeface="+mn-lt"/>
+                <a:ea typeface="+mn-ea"/>
+                <a:cs typeface="+mn-cs"/>
+              </a:defRPr>
+            </a:lvl8pPr>
+            <a:lvl9pPr marL="3886200" indent="-228600" algn="l" defTabSz="914400" rtl="0" eaLnBrk="1" latinLnBrk="0" hangingPunct="1">
+              <a:lnSpc>
+                <a:spcPct val="90000"/>
+              </a:lnSpc>
+              <a:spcBef>
+                <a:spcPts val="500"/>
+              </a:spcBef>
+              <a:buFont typeface="Arial" panose="020B0604020202020204" pitchFamily="34" charset="0"/>
+              <a:buChar char="•"/>
+              <a:defRPr sz="1800" kern="1200">
+                <a:solidFill>
+                  <a:schemeClr val="tx1"/>
+                </a:solidFill>
+                <a:latin typeface="+mn-lt"/>
+                <a:ea typeface="+mn-ea"/>
+                <a:cs typeface="+mn-cs"/>
+              </a:defRPr>
+            </a:lvl9pPr>
+          </a:lstStyle>
+          <a:p>
+            <a:pPr marL="0" indent="0">
+              <a:buFont typeface="Arial" panose="020B0604020202020204" pitchFamily="34" charset="0"/>
+              <a:buNone/>
+            </a:pPr>
+            <a:r>
+              <a:rPr lang="en-CA" sz="12800" dirty="0"/>
+              <a:t> High GA	</a:t>
+            </a:r>
+            <a:r>
+              <a:rPr lang="en-CA" dirty="0"/>
+              <a:t>			</a:t>
+            </a:r>
+          </a:p>
+        </p:txBody>
+      </p:sp>
+      <p:pic>
+        <p:nvPicPr>
+          <p:cNvPr id="9" name="Picture 8" descr="Chart, treemap chart&#10;&#10;Description automatically generated with medium confidence">
+            <a:extLst>
+              <a:ext uri="{FF2B5EF4-FFF2-40B4-BE49-F238E27FC236}">
+                <a16:creationId xmlns:a16="http://schemas.microsoft.com/office/drawing/2014/main" id="{FA7D86AA-642E-49AE-9DC4-00D1058BCF2F}"/>
+              </a:ext>
+            </a:extLst>
+          </p:cNvPr>
+          <p:cNvPicPr>
+            <a:picLocks noChangeAspect="1"/>
+          </p:cNvPicPr>
+          <p:nvPr/>
+        </p:nvPicPr>
+        <p:blipFill rotWithShape="1">
+          <a:blip r:embed="rId2">
+            <a:extLst>
+              <a:ext uri="{28A0092B-C50C-407E-A947-70E740481C1C}">
+                <a14:useLocalDpi xmlns:a14="http://schemas.microsoft.com/office/drawing/2010/main" val="0"/>
+              </a:ext>
+            </a:extLst>
+          </a:blip>
+          <a:srcRect r="10075"/>
+          <a:stretch/>
+        </p:blipFill>
+        <p:spPr>
+          <a:xfrm>
+            <a:off x="8094905" y="2610570"/>
+            <a:ext cx="3884762" cy="3238757"/>
+          </a:xfrm>
+          <a:prstGeom prst="rect">
+            <a:avLst/>
+          </a:prstGeom>
+        </p:spPr>
+      </p:pic>
+      <p:pic>
+        <p:nvPicPr>
+          <p:cNvPr id="10" name="Picture 9" descr="Chart&#10;&#10;Description automatically generated with medium confidence">
+            <a:extLst>
+              <a:ext uri="{FF2B5EF4-FFF2-40B4-BE49-F238E27FC236}">
+                <a16:creationId xmlns:a16="http://schemas.microsoft.com/office/drawing/2014/main" id="{4E3D440A-DF0D-482C-82E6-D7904B87F684}"/>
+              </a:ext>
+            </a:extLst>
+          </p:cNvPr>
+          <p:cNvPicPr>
+            <a:picLocks noChangeAspect="1"/>
+          </p:cNvPicPr>
+          <p:nvPr/>
+        </p:nvPicPr>
+        <p:blipFill rotWithShape="1">
+          <a:blip r:embed="rId3">
+            <a:extLst>
+              <a:ext uri="{28A0092B-C50C-407E-A947-70E740481C1C}">
+                <a14:useLocalDpi xmlns:a14="http://schemas.microsoft.com/office/drawing/2010/main" val="0"/>
+              </a:ext>
+            </a:extLst>
+          </a:blip>
+          <a:srcRect l="4840" r="9654"/>
+          <a:stretch/>
+        </p:blipFill>
+        <p:spPr>
+          <a:xfrm>
+            <a:off x="4249077" y="2610570"/>
+            <a:ext cx="3693843" cy="3238757"/>
+          </a:xfrm>
+          <a:prstGeom prst="rect">
+            <a:avLst/>
+          </a:prstGeom>
+        </p:spPr>
+      </p:pic>
+      <p:pic>
+        <p:nvPicPr>
+          <p:cNvPr id="12" name="Picture 11" descr="Chart&#10;&#10;Description automatically generated">
+            <a:extLst>
+              <a:ext uri="{FF2B5EF4-FFF2-40B4-BE49-F238E27FC236}">
+                <a16:creationId xmlns:a16="http://schemas.microsoft.com/office/drawing/2014/main" id="{A31D8705-4C53-4770-B0CC-9EC4B54D98FC}"/>
+              </a:ext>
+            </a:extLst>
+          </p:cNvPr>
+          <p:cNvPicPr>
+            <a:picLocks noChangeAspect="1"/>
+          </p:cNvPicPr>
+          <p:nvPr/>
+        </p:nvPicPr>
+        <p:blipFill rotWithShape="1">
+          <a:blip r:embed="rId4">
+            <a:extLst>
+              <a:ext uri="{28A0092B-C50C-407E-A947-70E740481C1C}">
+                <a14:useLocalDpi xmlns:a14="http://schemas.microsoft.com/office/drawing/2010/main" val="0"/>
+              </a:ext>
+            </a:extLst>
+          </a:blip>
+          <a:srcRect l="5066"/>
+          <a:stretch/>
+        </p:blipFill>
+        <p:spPr>
+          <a:xfrm>
+            <a:off x="71919" y="2610570"/>
+            <a:ext cx="4101166" cy="3238757"/>
+          </a:xfrm>
+          <a:prstGeom prst="rect">
+            <a:avLst/>
+          </a:prstGeom>
+        </p:spPr>
+      </p:pic>
+    </p:spTree>
+    <p:extLst>
+      <p:ext uri="{BB962C8B-B14F-4D97-AF65-F5344CB8AC3E}">
+        <p14:creationId xmlns:p14="http://schemas.microsoft.com/office/powerpoint/2010/main" val="3866738405"/>
+      </p:ext>
+    </p:extLst>
+  </p:cSld>
+  <p:clrMapOvr>
+    <a:masterClrMapping/>
+  </p:clrMapOvr>
+</p:sld>
+</file>
+
+<file path=ppt/slides/slide9.xml><?xml version="1.0" encoding="utf-8"?>
+<p:sld xmlns:a="http://schemas.openxmlformats.org/drawingml/2006/main" xmlns:r="http://schemas.openxmlformats.org/officeDocument/2006/relationships" xmlns:p="http://schemas.openxmlformats.org/presentationml/2006/main">
+  <p:cSld>
+    <p:spTree>
+      <p:nvGrpSpPr>
+        <p:cNvPr id="1" name=""/>
+        <p:cNvGrpSpPr/>
+        <p:nvPr/>
+      </p:nvGrpSpPr>
+      <p:grpSpPr>
+        <a:xfrm>
+          <a:off x="0" y="0"/>
+          <a:ext cx="0" cy="0"/>
+          <a:chOff x="0" y="0"/>
+          <a:chExt cx="0" cy="0"/>
+        </a:xfrm>
+      </p:grpSpPr>
+      <p:sp>
+        <p:nvSpPr>
+          <p:cNvPr id="2" name="Title 1">
+            <a:extLst>
+              <a:ext uri="{FF2B5EF4-FFF2-40B4-BE49-F238E27FC236}">
+                <a16:creationId xmlns:a16="http://schemas.microsoft.com/office/drawing/2014/main" id="{393EDB16-5766-4106-92D4-FAC775498C7F}"/>
+              </a:ext>
+            </a:extLst>
+          </p:cNvPr>
+          <p:cNvSpPr>
+            <a:spLocks noGrp="1"/>
+          </p:cNvSpPr>
+          <p:nvPr>
+            <p:ph type="title"/>
+          </p:nvPr>
+        </p:nvSpPr>
+        <p:spPr/>
+        <p:txBody>
+          <a:bodyPr/>
+          <a:lstStyle/>
+          <a:p>
+            <a:r>
+              <a:rPr lang="en-CA" dirty="0"/>
+              <a:t>Proportion of time spent turning</a:t>
+            </a:r>
+          </a:p>
+        </p:txBody>
+      </p:sp>
+      <p:sp>
+        <p:nvSpPr>
+          <p:cNvPr id="3" name="Content Placeholder 2">
+            <a:extLst>
+              <a:ext uri="{FF2B5EF4-FFF2-40B4-BE49-F238E27FC236}">
+                <a16:creationId xmlns:a16="http://schemas.microsoft.com/office/drawing/2014/main" id="{FCB12084-BFF7-4AD4-B7D4-2EE02C6FF732}"/>
+              </a:ext>
+            </a:extLst>
+          </p:cNvPr>
+          <p:cNvSpPr>
+            <a:spLocks noGrp="1"/>
+          </p:cNvSpPr>
+          <p:nvPr>
+            <p:ph idx="1"/>
+          </p:nvPr>
+        </p:nvSpPr>
+        <p:spPr>
+          <a:xfrm>
+            <a:off x="1027663" y="2132044"/>
+            <a:ext cx="1530626" cy="420618"/>
+          </a:xfrm>
+        </p:spPr>
+        <p:txBody>
+          <a:bodyPr>
+            <a:normAutofit fontScale="25000" lnSpcReduction="20000"/>
+          </a:bodyPr>
+          <a:lstStyle/>
+          <a:p>
+            <a:pPr marL="0" indent="0">
+              <a:buNone/>
+            </a:pPr>
+            <a:r>
+              <a:rPr lang="en-CA" sz="12800" dirty="0"/>
+              <a:t> Control	</a:t>
+            </a:r>
+            <a:r>
+              <a:rPr lang="en-CA" dirty="0"/>
+              <a:t>			</a:t>
+            </a:r>
+          </a:p>
+        </p:txBody>
+      </p:sp>
+      <p:sp>
+        <p:nvSpPr>
+          <p:cNvPr id="11" name="Content Placeholder 2">
+            <a:extLst>
+              <a:ext uri="{FF2B5EF4-FFF2-40B4-BE49-F238E27FC236}">
+                <a16:creationId xmlns:a16="http://schemas.microsoft.com/office/drawing/2014/main" id="{A05BD54A-44DC-4253-B4EE-285830A41550}"/>
+              </a:ext>
+            </a:extLst>
+          </p:cNvPr>
+          <p:cNvSpPr txBox="1">
+            <a:spLocks/>
+          </p:cNvSpPr>
+          <p:nvPr/>
+        </p:nvSpPr>
+        <p:spPr>
+          <a:xfrm>
+            <a:off x="9881050" y="2074135"/>
+            <a:ext cx="747711" cy="420618"/>
+          </a:xfrm>
+          <a:prstGeom prst="rect">
+            <a:avLst/>
+          </a:prstGeom>
+        </p:spPr>
+        <p:txBody>
+          <a:bodyPr vert="horz" lIns="91440" tIns="45720" rIns="91440" bIns="45720" rtlCol="0">
+            <a:normAutofit fontScale="25000" lnSpcReduction="20000"/>
+          </a:bodyPr>
+          <a:lstStyle>
+            <a:lvl1pPr marL="228600" indent="-228600" algn="l" defTabSz="914400" rtl="0" eaLnBrk="1" latinLnBrk="0" hangingPunct="1">
+              <a:lnSpc>
+                <a:spcPct val="90000"/>
+              </a:lnSpc>
+              <a:spcBef>
+                <a:spcPts val="1000"/>
+              </a:spcBef>
+              <a:buFont typeface="Arial" panose="020B0604020202020204" pitchFamily="34" charset="0"/>
+              <a:buChar char="•"/>
+              <a:defRPr sz="2800" kern="1200">
+                <a:solidFill>
+                  <a:schemeClr val="tx1"/>
+                </a:solidFill>
+                <a:latin typeface="+mn-lt"/>
+                <a:ea typeface="+mn-ea"/>
+                <a:cs typeface="+mn-cs"/>
+              </a:defRPr>
+            </a:lvl1pPr>
+            <a:lvl2pPr marL="685800" indent="-228600" algn="l" defTabSz="914400" rtl="0" eaLnBrk="1" latinLnBrk="0" hangingPunct="1">
+              <a:lnSpc>
+                <a:spcPct val="90000"/>
+              </a:lnSpc>
+              <a:spcBef>
+                <a:spcPts val="500"/>
+              </a:spcBef>
+              <a:buFont typeface="Arial" panose="020B0604020202020204" pitchFamily="34" charset="0"/>
+              <a:buChar char="•"/>
+              <a:defRPr sz="2400" kern="1200">
+                <a:solidFill>
+                  <a:schemeClr val="tx1"/>
+                </a:solidFill>
+                <a:latin typeface="+mn-lt"/>
+                <a:ea typeface="+mn-ea"/>
+                <a:cs typeface="+mn-cs"/>
+              </a:defRPr>
+            </a:lvl2pPr>
+            <a:lvl3pPr marL="1143000" indent="-228600" algn="l" defTabSz="914400" rtl="0" eaLnBrk="1" latinLnBrk="0" hangingPunct="1">
+              <a:lnSpc>
+                <a:spcPct val="90000"/>
+              </a:lnSpc>
+              <a:spcBef>
+                <a:spcPts val="500"/>
+              </a:spcBef>
+              <a:buFont typeface="Arial" panose="020B0604020202020204" pitchFamily="34" charset="0"/>
+              <a:buChar char="•"/>
+              <a:defRPr sz="2000" kern="1200">
+                <a:solidFill>
+                  <a:schemeClr val="tx1"/>
+                </a:solidFill>
+                <a:latin typeface="+mn-lt"/>
+                <a:ea typeface="+mn-ea"/>
+                <a:cs typeface="+mn-cs"/>
+              </a:defRPr>
+            </a:lvl3pPr>
+            <a:lvl4pPr marL="1600200" indent="-228600" algn="l" defTabSz="914400" rtl="0" eaLnBrk="1" latinLnBrk="0" hangingPunct="1">
+              <a:lnSpc>
+                <a:spcPct val="90000"/>
+              </a:lnSpc>
+              <a:spcBef>
+                <a:spcPts val="500"/>
+              </a:spcBef>
+              <a:buFont typeface="Arial" panose="020B0604020202020204" pitchFamily="34" charset="0"/>
+              <a:buChar char="•"/>
+              <a:defRPr sz="1800" kern="1200">
+                <a:solidFill>
+                  <a:schemeClr val="tx1"/>
+                </a:solidFill>
+                <a:latin typeface="+mn-lt"/>
+                <a:ea typeface="+mn-ea"/>
+                <a:cs typeface="+mn-cs"/>
+              </a:defRPr>
+            </a:lvl4pPr>
+            <a:lvl5pPr marL="2057400" indent="-228600" algn="l" defTabSz="914400" rtl="0" eaLnBrk="1" latinLnBrk="0" hangingPunct="1">
+              <a:lnSpc>
+                <a:spcPct val="90000"/>
+              </a:lnSpc>
+              <a:spcBef>
+                <a:spcPts val="500"/>
+              </a:spcBef>
+              <a:buFont typeface="Arial" panose="020B0604020202020204" pitchFamily="34" charset="0"/>
+              <a:buChar char="•"/>
+              <a:defRPr sz="1800" kern="1200">
+                <a:solidFill>
+                  <a:schemeClr val="tx1"/>
+                </a:solidFill>
+                <a:latin typeface="+mn-lt"/>
+                <a:ea typeface="+mn-ea"/>
+                <a:cs typeface="+mn-cs"/>
+              </a:defRPr>
+            </a:lvl5pPr>
+            <a:lvl6pPr marL="2514600" indent="-228600" algn="l" defTabSz="914400" rtl="0" eaLnBrk="1" latinLnBrk="0" hangingPunct="1">
+              <a:lnSpc>
+                <a:spcPct val="90000"/>
+              </a:lnSpc>
+              <a:spcBef>
+                <a:spcPts val="500"/>
+              </a:spcBef>
+              <a:buFont typeface="Arial" panose="020B0604020202020204" pitchFamily="34" charset="0"/>
+              <a:buChar char="•"/>
+              <a:defRPr sz="1800" kern="1200">
+                <a:solidFill>
+                  <a:schemeClr val="tx1"/>
+                </a:solidFill>
+                <a:latin typeface="+mn-lt"/>
+                <a:ea typeface="+mn-ea"/>
+                <a:cs typeface="+mn-cs"/>
+              </a:defRPr>
+            </a:lvl6pPr>
+            <a:lvl7pPr marL="2971800" indent="-228600" algn="l" defTabSz="914400" rtl="0" eaLnBrk="1" latinLnBrk="0" hangingPunct="1">
+              <a:lnSpc>
+                <a:spcPct val="90000"/>
+              </a:lnSpc>
+              <a:spcBef>
+                <a:spcPts val="500"/>
+              </a:spcBef>
+              <a:buFont typeface="Arial" panose="020B0604020202020204" pitchFamily="34" charset="0"/>
+              <a:buChar char="•"/>
+              <a:defRPr sz="1800" kern="1200">
+                <a:solidFill>
+                  <a:schemeClr val="tx1"/>
+                </a:solidFill>
+                <a:latin typeface="+mn-lt"/>
+                <a:ea typeface="+mn-ea"/>
+                <a:cs typeface="+mn-cs"/>
+              </a:defRPr>
+            </a:lvl7pPr>
+            <a:lvl8pPr marL="3429000" indent="-228600" algn="l" defTabSz="914400" rtl="0" eaLnBrk="1" latinLnBrk="0" hangingPunct="1">
+              <a:lnSpc>
+                <a:spcPct val="90000"/>
+              </a:lnSpc>
+              <a:spcBef>
+                <a:spcPts val="500"/>
+              </a:spcBef>
+              <a:buFont typeface="Arial" panose="020B0604020202020204" pitchFamily="34" charset="0"/>
+              <a:buChar char="•"/>
+              <a:defRPr sz="1800" kern="1200">
+                <a:solidFill>
+                  <a:schemeClr val="tx1"/>
+                </a:solidFill>
+                <a:latin typeface="+mn-lt"/>
+                <a:ea typeface="+mn-ea"/>
+                <a:cs typeface="+mn-cs"/>
+              </a:defRPr>
+            </a:lvl8pPr>
+            <a:lvl9pPr marL="3886200" indent="-228600" algn="l" defTabSz="914400" rtl="0" eaLnBrk="1" latinLnBrk="0" hangingPunct="1">
+              <a:lnSpc>
+                <a:spcPct val="90000"/>
+              </a:lnSpc>
+              <a:spcBef>
+                <a:spcPts val="500"/>
+              </a:spcBef>
+              <a:buFont typeface="Arial" panose="020B0604020202020204" pitchFamily="34" charset="0"/>
+              <a:buChar char="•"/>
+              <a:defRPr sz="1800" kern="1200">
+                <a:solidFill>
+                  <a:schemeClr val="tx1"/>
+                </a:solidFill>
+                <a:latin typeface="+mn-lt"/>
+                <a:ea typeface="+mn-ea"/>
+                <a:cs typeface="+mn-cs"/>
+              </a:defRPr>
+            </a:lvl9pPr>
+          </a:lstStyle>
+          <a:p>
+            <a:pPr marL="0" indent="0">
+              <a:buFont typeface="Arial" panose="020B0604020202020204" pitchFamily="34" charset="0"/>
+              <a:buNone/>
+            </a:pPr>
+            <a:r>
+              <a:rPr lang="en-CA" sz="12800" dirty="0"/>
+              <a:t> EA	</a:t>
+            </a:r>
+            <a:r>
+              <a:rPr lang="en-CA" dirty="0"/>
+              <a:t>			</a:t>
+            </a:r>
+          </a:p>
+        </p:txBody>
+      </p:sp>
+      <p:sp>
+        <p:nvSpPr>
+          <p:cNvPr id="13" name="Content Placeholder 2">
+            <a:extLst>
+              <a:ext uri="{FF2B5EF4-FFF2-40B4-BE49-F238E27FC236}">
+                <a16:creationId xmlns:a16="http://schemas.microsoft.com/office/drawing/2014/main" id="{AAAF4D13-2FAE-438E-B638-8B8AE663BB28}"/>
+              </a:ext>
+            </a:extLst>
+          </p:cNvPr>
+          <p:cNvSpPr txBox="1">
+            <a:spLocks/>
+          </p:cNvSpPr>
+          <p:nvPr/>
+        </p:nvSpPr>
+        <p:spPr>
+          <a:xfrm>
+            <a:off x="5208104" y="2074135"/>
+            <a:ext cx="1775791" cy="420618"/>
+          </a:xfrm>
+          <a:prstGeom prst="rect">
+            <a:avLst/>
+          </a:prstGeom>
+        </p:spPr>
+        <p:txBody>
+          <a:bodyPr vert="horz" lIns="91440" tIns="45720" rIns="91440" bIns="45720" rtlCol="0">
+            <a:normAutofit fontScale="25000" lnSpcReduction="20000"/>
+          </a:bodyPr>
+          <a:lstStyle>
+            <a:lvl1pPr marL="228600" indent="-228600" algn="l" defTabSz="914400" rtl="0" eaLnBrk="1" latinLnBrk="0" hangingPunct="1">
+              <a:lnSpc>
+                <a:spcPct val="90000"/>
+              </a:lnSpc>
+              <a:spcBef>
+                <a:spcPts val="1000"/>
+              </a:spcBef>
+              <a:buFont typeface="Arial" panose="020B0604020202020204" pitchFamily="34" charset="0"/>
+              <a:buChar char="•"/>
+              <a:defRPr sz="2800" kern="1200">
+                <a:solidFill>
+                  <a:schemeClr val="tx1"/>
+                </a:solidFill>
+                <a:latin typeface="+mn-lt"/>
+                <a:ea typeface="+mn-ea"/>
+                <a:cs typeface="+mn-cs"/>
+              </a:defRPr>
+            </a:lvl1pPr>
+            <a:lvl2pPr marL="685800" indent="-228600" algn="l" defTabSz="914400" rtl="0" eaLnBrk="1" latinLnBrk="0" hangingPunct="1">
+              <a:lnSpc>
+                <a:spcPct val="90000"/>
+              </a:lnSpc>
+              <a:spcBef>
+                <a:spcPts val="500"/>
+              </a:spcBef>
+              <a:buFont typeface="Arial" panose="020B0604020202020204" pitchFamily="34" charset="0"/>
+              <a:buChar char="•"/>
+              <a:defRPr sz="2400" kern="1200">
+                <a:solidFill>
+                  <a:schemeClr val="tx1"/>
+                </a:solidFill>
+                <a:latin typeface="+mn-lt"/>
+                <a:ea typeface="+mn-ea"/>
+                <a:cs typeface="+mn-cs"/>
+              </a:defRPr>
+            </a:lvl2pPr>
+            <a:lvl3pPr marL="1143000" indent="-228600" algn="l" defTabSz="914400" rtl="0" eaLnBrk="1" latinLnBrk="0" hangingPunct="1">
+              <a:lnSpc>
+                <a:spcPct val="90000"/>
+              </a:lnSpc>
+              <a:spcBef>
+                <a:spcPts val="500"/>
+              </a:spcBef>
+              <a:buFont typeface="Arial" panose="020B0604020202020204" pitchFamily="34" charset="0"/>
+              <a:buChar char="•"/>
+              <a:defRPr sz="2000" kern="1200">
+                <a:solidFill>
+                  <a:schemeClr val="tx1"/>
+                </a:solidFill>
+                <a:latin typeface="+mn-lt"/>
+                <a:ea typeface="+mn-ea"/>
+                <a:cs typeface="+mn-cs"/>
+              </a:defRPr>
+            </a:lvl3pPr>
+            <a:lvl4pPr marL="1600200" indent="-228600" algn="l" defTabSz="914400" rtl="0" eaLnBrk="1" latinLnBrk="0" hangingPunct="1">
+              <a:lnSpc>
+                <a:spcPct val="90000"/>
+              </a:lnSpc>
+              <a:spcBef>
+                <a:spcPts val="500"/>
+              </a:spcBef>
+              <a:buFont typeface="Arial" panose="020B0604020202020204" pitchFamily="34" charset="0"/>
+              <a:buChar char="•"/>
+              <a:defRPr sz="1800" kern="1200">
+                <a:solidFill>
+                  <a:schemeClr val="tx1"/>
+                </a:solidFill>
+                <a:latin typeface="+mn-lt"/>
+                <a:ea typeface="+mn-ea"/>
+                <a:cs typeface="+mn-cs"/>
+              </a:defRPr>
+            </a:lvl4pPr>
+            <a:lvl5pPr marL="2057400" indent="-228600" algn="l" defTabSz="914400" rtl="0" eaLnBrk="1" latinLnBrk="0" hangingPunct="1">
+              <a:lnSpc>
+                <a:spcPct val="90000"/>
+              </a:lnSpc>
+              <a:spcBef>
+                <a:spcPts val="500"/>
+              </a:spcBef>
+              <a:buFont typeface="Arial" panose="020B0604020202020204" pitchFamily="34" charset="0"/>
+              <a:buChar char="•"/>
+              <a:defRPr sz="1800" kern="1200">
+                <a:solidFill>
+                  <a:schemeClr val="tx1"/>
+                </a:solidFill>
+                <a:latin typeface="+mn-lt"/>
+                <a:ea typeface="+mn-ea"/>
+                <a:cs typeface="+mn-cs"/>
+              </a:defRPr>
+            </a:lvl5pPr>
+            <a:lvl6pPr marL="2514600" indent="-228600" algn="l" defTabSz="914400" rtl="0" eaLnBrk="1" latinLnBrk="0" hangingPunct="1">
+              <a:lnSpc>
+                <a:spcPct val="90000"/>
+              </a:lnSpc>
+              <a:spcBef>
+                <a:spcPts val="500"/>
+              </a:spcBef>
+              <a:buFont typeface="Arial" panose="020B0604020202020204" pitchFamily="34" charset="0"/>
+              <a:buChar char="•"/>
+              <a:defRPr sz="1800" kern="1200">
+                <a:solidFill>
+                  <a:schemeClr val="tx1"/>
+                </a:solidFill>
+                <a:latin typeface="+mn-lt"/>
+                <a:ea typeface="+mn-ea"/>
+                <a:cs typeface="+mn-cs"/>
+              </a:defRPr>
+            </a:lvl6pPr>
+            <a:lvl7pPr marL="2971800" indent="-228600" algn="l" defTabSz="914400" rtl="0" eaLnBrk="1" latinLnBrk="0" hangingPunct="1">
+              <a:lnSpc>
+                <a:spcPct val="90000"/>
+              </a:lnSpc>
+              <a:spcBef>
+                <a:spcPts val="500"/>
+              </a:spcBef>
+              <a:buFont typeface="Arial" panose="020B0604020202020204" pitchFamily="34" charset="0"/>
+              <a:buChar char="•"/>
+              <a:defRPr sz="1800" kern="1200">
+                <a:solidFill>
+                  <a:schemeClr val="tx1"/>
+                </a:solidFill>
+                <a:latin typeface="+mn-lt"/>
+                <a:ea typeface="+mn-ea"/>
+                <a:cs typeface="+mn-cs"/>
+              </a:defRPr>
+            </a:lvl7pPr>
+            <a:lvl8pPr marL="3429000" indent="-228600" algn="l" defTabSz="914400" rtl="0" eaLnBrk="1" latinLnBrk="0" hangingPunct="1">
+              <a:lnSpc>
+                <a:spcPct val="90000"/>
+              </a:lnSpc>
+              <a:spcBef>
+                <a:spcPts val="500"/>
+              </a:spcBef>
+              <a:buFont typeface="Arial" panose="020B0604020202020204" pitchFamily="34" charset="0"/>
+              <a:buChar char="•"/>
+              <a:defRPr sz="1800" kern="1200">
+                <a:solidFill>
+                  <a:schemeClr val="tx1"/>
+                </a:solidFill>
+                <a:latin typeface="+mn-lt"/>
+                <a:ea typeface="+mn-ea"/>
+                <a:cs typeface="+mn-cs"/>
+              </a:defRPr>
+            </a:lvl8pPr>
+            <a:lvl9pPr marL="3886200" indent="-228600" algn="l" defTabSz="914400" rtl="0" eaLnBrk="1" latinLnBrk="0" hangingPunct="1">
+              <a:lnSpc>
+                <a:spcPct val="90000"/>
+              </a:lnSpc>
+              <a:spcBef>
+                <a:spcPts val="500"/>
+              </a:spcBef>
+              <a:buFont typeface="Arial" panose="020B0604020202020204" pitchFamily="34" charset="0"/>
+              <a:buChar char="•"/>
+              <a:defRPr sz="1800" kern="1200">
+                <a:solidFill>
+                  <a:schemeClr val="tx1"/>
+                </a:solidFill>
+                <a:latin typeface="+mn-lt"/>
+                <a:ea typeface="+mn-ea"/>
+                <a:cs typeface="+mn-cs"/>
+              </a:defRPr>
+            </a:lvl9pPr>
+          </a:lstStyle>
+          <a:p>
+            <a:pPr marL="0" indent="0">
+              <a:buFont typeface="Arial" panose="020B0604020202020204" pitchFamily="34" charset="0"/>
+              <a:buNone/>
+            </a:pPr>
+            <a:r>
+              <a:rPr lang="en-CA" sz="12800" dirty="0"/>
+              <a:t> High GA	</a:t>
+            </a:r>
+            <a:r>
+              <a:rPr lang="en-CA" dirty="0"/>
+              <a:t>			</a:t>
+            </a:r>
+          </a:p>
+        </p:txBody>
+      </p:sp>
+      <p:pic>
+        <p:nvPicPr>
+          <p:cNvPr id="14" name="Picture 13" descr="Chart, treemap chart&#10;&#10;Description automatically generated with medium confidence">
+            <a:extLst>
+              <a:ext uri="{FF2B5EF4-FFF2-40B4-BE49-F238E27FC236}">
+                <a16:creationId xmlns:a16="http://schemas.microsoft.com/office/drawing/2014/main" id="{5EE44A99-9678-4D0E-A37E-CB396AF5FBED}"/>
+              </a:ext>
+            </a:extLst>
+          </p:cNvPr>
+          <p:cNvPicPr>
+            <a:picLocks noChangeAspect="1"/>
+          </p:cNvPicPr>
+          <p:nvPr/>
+        </p:nvPicPr>
+        <p:blipFill>
+          <a:blip r:embed="rId2">
+            <a:extLst>
+              <a:ext uri="{28A0092B-C50C-407E-A947-70E740481C1C}">
+                <a14:useLocalDpi xmlns:a14="http://schemas.microsoft.com/office/drawing/2010/main" val="0"/>
+              </a:ext>
+            </a:extLst>
+          </a:blip>
+          <a:stretch>
+            <a:fillRect/>
+          </a:stretch>
+        </p:blipFill>
+        <p:spPr>
+          <a:xfrm>
+            <a:off x="92468" y="2793920"/>
+            <a:ext cx="4032001" cy="3022838"/>
+          </a:xfrm>
+          <a:prstGeom prst="rect">
+            <a:avLst/>
+          </a:prstGeom>
+        </p:spPr>
+      </p:pic>
+      <p:pic>
+        <p:nvPicPr>
+          <p:cNvPr id="15" name="Content Placeholder 4" descr="Chart, treemap chart&#10;&#10;Description automatically generated">
+            <a:extLst>
+              <a:ext uri="{FF2B5EF4-FFF2-40B4-BE49-F238E27FC236}">
+                <a16:creationId xmlns:a16="http://schemas.microsoft.com/office/drawing/2014/main" id="{9D91F302-3E98-4875-9CAE-986231F3104B}"/>
+              </a:ext>
+            </a:extLst>
+          </p:cNvPr>
+          <p:cNvPicPr>
+            <a:picLocks noChangeAspect="1"/>
+          </p:cNvPicPr>
+          <p:nvPr/>
+        </p:nvPicPr>
+        <p:blipFill>
+          <a:blip r:embed="rId3">
+            <a:extLst>
+              <a:ext uri="{28A0092B-C50C-407E-A947-70E740481C1C}">
+                <a14:useLocalDpi xmlns:a14="http://schemas.microsoft.com/office/drawing/2010/main" val="0"/>
+              </a:ext>
+            </a:extLst>
+          </a:blip>
+          <a:stretch>
+            <a:fillRect/>
+          </a:stretch>
+        </p:blipFill>
+        <p:spPr>
+          <a:xfrm>
+            <a:off x="4165687" y="2793920"/>
+            <a:ext cx="4032000" cy="3022837"/>
+          </a:xfrm>
+          <a:prstGeom prst="rect">
+            <a:avLst/>
+          </a:prstGeom>
+        </p:spPr>
+      </p:pic>
+      <p:pic>
+        <p:nvPicPr>
+          <p:cNvPr id="16" name="Picture 15" descr="Chart, treemap chart&#10;&#10;Description automatically generated">
+            <a:extLst>
+              <a:ext uri="{FF2B5EF4-FFF2-40B4-BE49-F238E27FC236}">
+                <a16:creationId xmlns:a16="http://schemas.microsoft.com/office/drawing/2014/main" id="{9C788335-8A7B-47ED-8B44-6CEF0841A5E6}"/>
+              </a:ext>
+            </a:extLst>
+          </p:cNvPr>
+          <p:cNvPicPr>
+            <a:picLocks noChangeAspect="1"/>
+          </p:cNvPicPr>
+          <p:nvPr/>
+        </p:nvPicPr>
+        <p:blipFill>
+          <a:blip r:embed="rId4">
+            <a:extLst>
+              <a:ext uri="{28A0092B-C50C-407E-A947-70E740481C1C}">
+                <a14:useLocalDpi xmlns:a14="http://schemas.microsoft.com/office/drawing/2010/main" val="0"/>
+              </a:ext>
+            </a:extLst>
+          </a:blip>
+          <a:stretch>
+            <a:fillRect/>
+          </a:stretch>
+        </p:blipFill>
+        <p:spPr>
+          <a:xfrm>
+            <a:off x="8160000" y="2793920"/>
+            <a:ext cx="4032000" cy="3022837"/>
+          </a:xfrm>
+          <a:prstGeom prst="rect">
+            <a:avLst/>
+          </a:prstGeom>
+        </p:spPr>
+      </p:pic>
+    </p:spTree>
+    <p:extLst>
+      <p:ext uri="{BB962C8B-B14F-4D97-AF65-F5344CB8AC3E}">
+        <p14:creationId xmlns:p14="http://schemas.microsoft.com/office/powerpoint/2010/main" val="212799693"/>
       </p:ext>
     </p:extLst>
   </p:cSld>
